--- a/01. 문서/01. 산출문서/참고자료/4-3. 시스템 아키텍처_밥먹고합시다.pptx
+++ b/01. 문서/01. 산출문서/참고자료/4-3. 시스템 아키텍처_밥먹고합시다.pptx
@@ -197,7 +197,7 @@
           <a:p>
             <a:fld id="{DF992B97-EF0B-4C1F-9C99-3EC9AC866B65}" type="datetimeFigureOut">
               <a:rPr lang="ko-KR" altLang="en-US" smtClean="0"/>
-              <a:t>2025-08-30</a:t>
+              <a:t>2025-09-01</a:t>
             </a:fld>
             <a:endParaRPr lang="ko-KR" altLang="en-US"/>
           </a:p>
@@ -684,7 +684,7 @@
           <a:p>
             <a:fld id="{C2A9B4EE-C05E-4F91-9172-36BDF7A0969D}" type="datetimeFigureOut">
               <a:rPr lang="ko-KR" altLang="en-US" smtClean="0"/>
-              <a:t>2025-08-30</a:t>
+              <a:t>2025-09-01</a:t>
             </a:fld>
             <a:endParaRPr lang="ko-KR" altLang="en-US"/>
           </a:p>
@@ -854,7 +854,7 @@
           <a:p>
             <a:fld id="{C2A9B4EE-C05E-4F91-9172-36BDF7A0969D}" type="datetimeFigureOut">
               <a:rPr lang="ko-KR" altLang="en-US" smtClean="0"/>
-              <a:t>2025-08-30</a:t>
+              <a:t>2025-09-01</a:t>
             </a:fld>
             <a:endParaRPr lang="ko-KR" altLang="en-US"/>
           </a:p>
@@ -1034,7 +1034,7 @@
           <a:p>
             <a:fld id="{C2A9B4EE-C05E-4F91-9172-36BDF7A0969D}" type="datetimeFigureOut">
               <a:rPr lang="ko-KR" altLang="en-US" smtClean="0"/>
-              <a:t>2025-08-30</a:t>
+              <a:t>2025-09-01</a:t>
             </a:fld>
             <a:endParaRPr lang="ko-KR" altLang="en-US"/>
           </a:p>
@@ -1204,7 +1204,7 @@
           <a:p>
             <a:fld id="{C2A9B4EE-C05E-4F91-9172-36BDF7A0969D}" type="datetimeFigureOut">
               <a:rPr lang="ko-KR" altLang="en-US" smtClean="0"/>
-              <a:t>2025-08-30</a:t>
+              <a:t>2025-09-01</a:t>
             </a:fld>
             <a:endParaRPr lang="ko-KR" altLang="en-US"/>
           </a:p>
@@ -1450,7 +1450,7 @@
           <a:p>
             <a:fld id="{C2A9B4EE-C05E-4F91-9172-36BDF7A0969D}" type="datetimeFigureOut">
               <a:rPr lang="ko-KR" altLang="en-US" smtClean="0"/>
-              <a:t>2025-08-30</a:t>
+              <a:t>2025-09-01</a:t>
             </a:fld>
             <a:endParaRPr lang="ko-KR" altLang="en-US"/>
           </a:p>
@@ -1682,7 +1682,7 @@
           <a:p>
             <a:fld id="{C2A9B4EE-C05E-4F91-9172-36BDF7A0969D}" type="datetimeFigureOut">
               <a:rPr lang="ko-KR" altLang="en-US" smtClean="0"/>
-              <a:t>2025-08-30</a:t>
+              <a:t>2025-09-01</a:t>
             </a:fld>
             <a:endParaRPr lang="ko-KR" altLang="en-US"/>
           </a:p>
@@ -2049,7 +2049,7 @@
           <a:p>
             <a:fld id="{C2A9B4EE-C05E-4F91-9172-36BDF7A0969D}" type="datetimeFigureOut">
               <a:rPr lang="ko-KR" altLang="en-US" smtClean="0"/>
-              <a:t>2025-08-30</a:t>
+              <a:t>2025-09-01</a:t>
             </a:fld>
             <a:endParaRPr lang="ko-KR" altLang="en-US"/>
           </a:p>
@@ -2167,7 +2167,7 @@
           <a:p>
             <a:fld id="{C2A9B4EE-C05E-4F91-9172-36BDF7A0969D}" type="datetimeFigureOut">
               <a:rPr lang="ko-KR" altLang="en-US" smtClean="0"/>
-              <a:t>2025-08-30</a:t>
+              <a:t>2025-09-01</a:t>
             </a:fld>
             <a:endParaRPr lang="ko-KR" altLang="en-US"/>
           </a:p>
@@ -2262,7 +2262,7 @@
           <a:p>
             <a:fld id="{C2A9B4EE-C05E-4F91-9172-36BDF7A0969D}" type="datetimeFigureOut">
               <a:rPr lang="ko-KR" altLang="en-US" smtClean="0"/>
-              <a:t>2025-08-30</a:t>
+              <a:t>2025-09-01</a:t>
             </a:fld>
             <a:endParaRPr lang="ko-KR" altLang="en-US"/>
           </a:p>
@@ -2539,7 +2539,7 @@
           <a:p>
             <a:fld id="{C2A9B4EE-C05E-4F91-9172-36BDF7A0969D}" type="datetimeFigureOut">
               <a:rPr lang="ko-KR" altLang="en-US" smtClean="0"/>
-              <a:t>2025-08-30</a:t>
+              <a:t>2025-09-01</a:t>
             </a:fld>
             <a:endParaRPr lang="ko-KR" altLang="en-US"/>
           </a:p>
@@ -2796,7 +2796,7 @@
           <a:p>
             <a:fld id="{C2A9B4EE-C05E-4F91-9172-36BDF7A0969D}" type="datetimeFigureOut">
               <a:rPr lang="ko-KR" altLang="en-US" smtClean="0"/>
-              <a:t>2025-08-30</a:t>
+              <a:t>2025-09-01</a:t>
             </a:fld>
             <a:endParaRPr lang="ko-KR" altLang="en-US"/>
           </a:p>
@@ -3009,7 +3009,7 @@
           <a:p>
             <a:fld id="{C2A9B4EE-C05E-4F91-9172-36BDF7A0969D}" type="datetimeFigureOut">
               <a:rPr lang="ko-KR" altLang="en-US" smtClean="0"/>
-              <a:t>2025-08-30</a:t>
+              <a:t>2025-09-01</a:t>
             </a:fld>
             <a:endParaRPr lang="ko-KR" altLang="en-US"/>
           </a:p>
@@ -3416,10 +3416,10 @@
       </p:grpSpPr>
       <p:grpSp>
         <p:nvGrpSpPr>
-          <p:cNvPr id="5" name="그룹 4">
+          <p:cNvPr id="29" name="그룹 28">
             <a:extLst>
               <a:ext uri="{FF2B5EF4-FFF2-40B4-BE49-F238E27FC236}">
-                <a16:creationId xmlns:a16="http://schemas.microsoft.com/office/drawing/2014/main" id="{DAFDCE0A-A4E5-997C-111E-293B0D7534C2}"/>
+                <a16:creationId xmlns:a16="http://schemas.microsoft.com/office/drawing/2014/main" id="{C4150006-CB8B-79C7-2C87-80AB67792035}"/>
               </a:ext>
             </a:extLst>
           </p:cNvPr>
@@ -3428,1470 +3428,1716 @@
         </p:nvGrpSpPr>
         <p:grpSpPr>
           <a:xfrm>
-            <a:off x="1410831" y="2483600"/>
-            <a:ext cx="22828131" cy="12435557"/>
-            <a:chOff x="9014790" y="6670590"/>
-            <a:chExt cx="8961510" cy="4881756"/>
+            <a:off x="6625958" y="5214623"/>
+            <a:ext cx="4369923" cy="6248072"/>
+            <a:chOff x="1801787" y="1994140"/>
+            <a:chExt cx="2215270" cy="3155325"/>
           </a:xfrm>
         </p:grpSpPr>
-        <p:grpSp>
-          <p:nvGrpSpPr>
-            <p:cNvPr id="29" name="그룹 28">
+        <p:sp>
+          <p:nvSpPr>
+            <p:cNvPr id="4" name="사각형: 둥근 모서리 3">
               <a:extLst>
                 <a:ext uri="{FF2B5EF4-FFF2-40B4-BE49-F238E27FC236}">
-                  <a16:creationId xmlns:a16="http://schemas.microsoft.com/office/drawing/2014/main" id="{C4150006-CB8B-79C7-2C87-80AB67792035}"/>
+                  <a16:creationId xmlns:a16="http://schemas.microsoft.com/office/drawing/2014/main" id="{90B199B4-6D8B-8A41-38D9-31A5517A5D94}"/>
                 </a:ext>
               </a:extLst>
             </p:cNvPr>
-            <p:cNvGrpSpPr/>
+            <p:cNvSpPr/>
             <p:nvPr/>
-          </p:nvGrpSpPr>
-          <p:grpSpPr>
-            <a:xfrm>
-              <a:off x="11062063" y="6684704"/>
-              <a:ext cx="1715476" cy="2452770"/>
-              <a:chOff x="1801787" y="1994140"/>
-              <a:chExt cx="2215270" cy="3155325"/>
-            </a:xfrm>
-          </p:grpSpPr>
-          <p:sp>
-            <p:nvSpPr>
-              <p:cNvPr id="4" name="사각형: 둥근 모서리 3">
-                <a:extLst>
-                  <a:ext uri="{FF2B5EF4-FFF2-40B4-BE49-F238E27FC236}">
-                    <a16:creationId xmlns:a16="http://schemas.microsoft.com/office/drawing/2014/main" id="{90B199B4-6D8B-8A41-38D9-31A5517A5D94}"/>
-                  </a:ext>
-                </a:extLst>
-              </p:cNvPr>
-              <p:cNvSpPr/>
-              <p:nvPr/>
-            </p:nvSpPr>
-            <p:spPr>
-              <a:xfrm>
-                <a:off x="1801787" y="2396454"/>
-                <a:ext cx="1843121" cy="2753011"/>
-              </a:xfrm>
-              <a:prstGeom prst="roundRect">
-                <a:avLst/>
-              </a:prstGeom>
-              <a:solidFill>
-                <a:schemeClr val="bg1">
-                  <a:lumMod val="95000"/>
-                </a:schemeClr>
-              </a:solidFill>
-              <a:ln>
-                <a:noFill/>
-              </a:ln>
-            </p:spPr>
-            <p:style>
-              <a:lnRef idx="2">
-                <a:schemeClr val="accent1">
-                  <a:shade val="15000"/>
-                </a:schemeClr>
-              </a:lnRef>
-              <a:fillRef idx="1">
-                <a:schemeClr val="accent1"/>
-              </a:fillRef>
-              <a:effectRef idx="0">
-                <a:schemeClr val="accent1"/>
-              </a:effectRef>
-              <a:fontRef idx="minor">
-                <a:schemeClr val="lt1"/>
-              </a:fontRef>
-            </p:style>
-            <p:txBody>
-              <a:bodyPr rtlCol="0" anchor="ctr"/>
-              <a:lstStyle/>
-              <a:p>
-                <a:pPr algn="ctr"/>
-                <a:endParaRPr lang="ko-KR" altLang="en-US" dirty="0"/>
-              </a:p>
-            </p:txBody>
-          </p:sp>
-          <p:sp>
-            <p:nvSpPr>
-              <p:cNvPr id="14" name="TextBox 13">
-                <a:extLst>
-                  <a:ext uri="{FF2B5EF4-FFF2-40B4-BE49-F238E27FC236}">
-                    <a16:creationId xmlns:a16="http://schemas.microsoft.com/office/drawing/2014/main" id="{F8E72B4F-41C1-982F-7D99-DF227A95CE1E}"/>
-                  </a:ext>
-                </a:extLst>
-              </p:cNvPr>
-              <p:cNvSpPr txBox="1"/>
-              <p:nvPr/>
-            </p:nvSpPr>
-            <p:spPr>
-              <a:xfrm>
-                <a:off x="2173936" y="1994140"/>
-                <a:ext cx="1843121" cy="326402"/>
-              </a:xfrm>
-              <a:prstGeom prst="rect">
-                <a:avLst/>
-              </a:prstGeom>
-              <a:noFill/>
-            </p:spPr>
-            <p:txBody>
-              <a:bodyPr wrap="square" rtlCol="0">
-                <a:spAutoFit/>
-              </a:bodyPr>
-              <a:lstStyle/>
-              <a:p>
-                <a:r>
-                  <a:rPr lang="ko-KR" altLang="en-US" sz="3600" dirty="0" err="1"/>
-                  <a:t>프론트엔드</a:t>
-                </a:r>
-                <a:endParaRPr lang="en-US" altLang="ko-KR" sz="3600" dirty="0"/>
-              </a:p>
-            </p:txBody>
-          </p:sp>
-          <p:pic>
-            <p:nvPicPr>
-              <p:cNvPr id="1026" name="Picture 2" descr="Flutter] 기본 위젯 4 개 : 이미지, 텍스트, 아이콘, 박스">
-                <a:extLst>
-                  <a:ext uri="{FF2B5EF4-FFF2-40B4-BE49-F238E27FC236}">
-                    <a16:creationId xmlns:a16="http://schemas.microsoft.com/office/drawing/2014/main" id="{EA2DFCB9-79B3-4467-BED1-48B73C2F0951}"/>
-                  </a:ext>
-                </a:extLst>
-              </p:cNvPr>
-              <p:cNvPicPr>
-                <a:picLocks noChangeAspect="1" noChangeArrowheads="1"/>
-              </p:cNvPicPr>
-              <p:nvPr/>
-            </p:nvPicPr>
-            <p:blipFill>
-              <a:blip r:embed="rId3">
-                <a:extLst>
-                  <a:ext uri="{28A0092B-C50C-407E-A947-70E740481C1C}">
-                    <a14:useLocalDpi xmlns:a14="http://schemas.microsoft.com/office/drawing/2010/main" val="0"/>
-                  </a:ext>
-                </a:extLst>
-              </a:blip>
-              <a:srcRect/>
-              <a:stretch>
-                <a:fillRect/>
-              </a:stretch>
-            </p:blipFill>
-            <p:spPr bwMode="auto">
-              <a:xfrm>
-                <a:off x="2360150" y="4064343"/>
-                <a:ext cx="679774" cy="682808"/>
-              </a:xfrm>
-              <a:prstGeom prst="roundRect">
-                <a:avLst>
-                  <a:gd name="adj" fmla="val 16667"/>
-                </a:avLst>
-              </a:prstGeom>
-              <a:ln>
-                <a:noFill/>
-              </a:ln>
-              <a:effectLst/>
-              <a:scene3d>
-                <a:camera prst="orthographicFront"/>
-                <a:lightRig rig="contrasting" dir="t">
-                  <a:rot lat="0" lon="0" rev="4200000"/>
-                </a:lightRig>
-              </a:scene3d>
-              <a:sp3d prstMaterial="plastic">
-                <a:bevelT w="381000" h="114300" prst="relaxedInset"/>
-                <a:contourClr>
-                  <a:srgbClr val="969696"/>
-                </a:contourClr>
-              </a:sp3d>
-              <a:extLst>
-                <a:ext uri="{909E8E84-426E-40DD-AFC4-6F175D3DCCD1}">
-                  <a14:hiddenFill xmlns:a14="http://schemas.microsoft.com/office/drawing/2010/main">
-                    <a:solidFill>
-                      <a:srgbClr val="FFFFFF"/>
-                    </a:solidFill>
-                  </a14:hiddenFill>
-                </a:ext>
-              </a:extLst>
-            </p:spPr>
-          </p:pic>
-          <p:pic>
-            <p:nvPicPr>
-              <p:cNvPr id="6" name="Picture 4">
-                <a:extLst>
-                  <a:ext uri="{FF2B5EF4-FFF2-40B4-BE49-F238E27FC236}">
-                    <a16:creationId xmlns:a16="http://schemas.microsoft.com/office/drawing/2014/main" id="{314255C7-3041-D209-1282-80BC75CF78B0}"/>
-                  </a:ext>
-                </a:extLst>
-              </p:cNvPr>
-              <p:cNvPicPr>
-                <a:picLocks noChangeAspect="1" noChangeArrowheads="1"/>
-              </p:cNvPicPr>
-              <p:nvPr/>
-            </p:nvPicPr>
-            <p:blipFill>
-              <a:blip r:embed="rId4">
-                <a:extLst>
-                  <a:ext uri="{28A0092B-C50C-407E-A947-70E740481C1C}">
-                    <a14:useLocalDpi xmlns:a14="http://schemas.microsoft.com/office/drawing/2010/main" val="0"/>
-                  </a:ext>
-                </a:extLst>
-              </a:blip>
-              <a:srcRect/>
-              <a:stretch>
-                <a:fillRect/>
-              </a:stretch>
-            </p:blipFill>
-            <p:spPr bwMode="auto">
-              <a:xfrm>
-                <a:off x="2318466" y="2723404"/>
-                <a:ext cx="763142" cy="679774"/>
-              </a:xfrm>
-              <a:prstGeom prst="roundRect">
-                <a:avLst>
-                  <a:gd name="adj" fmla="val 16667"/>
-                </a:avLst>
-              </a:prstGeom>
-              <a:ln>
-                <a:noFill/>
-              </a:ln>
-              <a:effectLst/>
-              <a:scene3d>
-                <a:camera prst="orthographicFront"/>
-                <a:lightRig rig="contrasting" dir="t">
-                  <a:rot lat="0" lon="0" rev="4200000"/>
-                </a:lightRig>
-              </a:scene3d>
-              <a:sp3d prstMaterial="plastic">
-                <a:bevelT w="381000" h="114300" prst="relaxedInset"/>
-                <a:contourClr>
-                  <a:srgbClr val="969696"/>
-                </a:contourClr>
-              </a:sp3d>
-              <a:extLst>
-                <a:ext uri="{909E8E84-426E-40DD-AFC4-6F175D3DCCD1}">
-                  <a14:hiddenFill xmlns:a14="http://schemas.microsoft.com/office/drawing/2010/main">
-                    <a:solidFill>
-                      <a:srgbClr val="FFFFFF"/>
-                    </a:solidFill>
-                  </a14:hiddenFill>
-                </a:ext>
-              </a:extLst>
-            </p:spPr>
-          </p:pic>
-        </p:grpSp>
-        <p:grpSp>
-          <p:nvGrpSpPr>
-            <p:cNvPr id="27" name="그룹 26">
-              <a:extLst>
-                <a:ext uri="{FF2B5EF4-FFF2-40B4-BE49-F238E27FC236}">
-                  <a16:creationId xmlns:a16="http://schemas.microsoft.com/office/drawing/2014/main" id="{BD2B46DE-0071-632B-7F83-72CE942828D6}"/>
-                </a:ext>
-              </a:extLst>
-            </p:cNvPr>
-            <p:cNvGrpSpPr/>
-            <p:nvPr/>
-          </p:nvGrpSpPr>
-          <p:grpSpPr>
-            <a:xfrm>
-              <a:off x="13281512" y="9355237"/>
-              <a:ext cx="1882784" cy="2197109"/>
-              <a:chOff x="6619064" y="4099716"/>
-              <a:chExt cx="2431323" cy="2826434"/>
-            </a:xfrm>
-          </p:grpSpPr>
-          <p:sp>
-            <p:nvSpPr>
-              <p:cNvPr id="20" name="사각형: 둥근 모서리 19">
-                <a:extLst>
-                  <a:ext uri="{FF2B5EF4-FFF2-40B4-BE49-F238E27FC236}">
-                    <a16:creationId xmlns:a16="http://schemas.microsoft.com/office/drawing/2014/main" id="{B752D741-12C5-296A-3313-497F3377475B}"/>
-                  </a:ext>
-                </a:extLst>
-              </p:cNvPr>
-              <p:cNvSpPr/>
-              <p:nvPr/>
-            </p:nvSpPr>
-            <p:spPr>
-              <a:xfrm>
-                <a:off x="6619064" y="4496150"/>
-                <a:ext cx="2431323" cy="2430000"/>
-              </a:xfrm>
-              <a:prstGeom prst="roundRect">
-                <a:avLst/>
-              </a:prstGeom>
-              <a:solidFill>
-                <a:schemeClr val="bg1">
-                  <a:lumMod val="95000"/>
-                </a:schemeClr>
-              </a:solidFill>
-              <a:ln>
-                <a:noFill/>
-              </a:ln>
-            </p:spPr>
-            <p:style>
-              <a:lnRef idx="2">
-                <a:schemeClr val="accent1">
-                  <a:shade val="15000"/>
-                </a:schemeClr>
-              </a:lnRef>
-              <a:fillRef idx="1">
-                <a:schemeClr val="accent1"/>
-              </a:fillRef>
-              <a:effectRef idx="0">
-                <a:schemeClr val="accent1"/>
-              </a:effectRef>
-              <a:fontRef idx="minor">
-                <a:schemeClr val="lt1"/>
-              </a:fontRef>
-            </p:style>
-            <p:txBody>
-              <a:bodyPr rtlCol="0" anchor="ctr"/>
-              <a:lstStyle/>
-              <a:p>
-                <a:pPr algn="ctr"/>
-                <a:endParaRPr lang="ko-KR" altLang="en-US" dirty="0"/>
-              </a:p>
-            </p:txBody>
-          </p:sp>
-          <p:sp>
-            <p:nvSpPr>
-              <p:cNvPr id="10" name="TextBox 9">
-                <a:extLst>
-                  <a:ext uri="{FF2B5EF4-FFF2-40B4-BE49-F238E27FC236}">
-                    <a16:creationId xmlns:a16="http://schemas.microsoft.com/office/drawing/2014/main" id="{0D26859E-4478-E0C3-6803-4D408D197B0D}"/>
-                  </a:ext>
-                </a:extLst>
-              </p:cNvPr>
-              <p:cNvSpPr txBox="1"/>
-              <p:nvPr/>
-            </p:nvSpPr>
-            <p:spPr>
-              <a:xfrm>
-                <a:off x="7001166" y="4099716"/>
-                <a:ext cx="1843119" cy="326402"/>
-              </a:xfrm>
-              <a:prstGeom prst="rect">
-                <a:avLst/>
-              </a:prstGeom>
-              <a:noFill/>
-            </p:spPr>
-            <p:txBody>
-              <a:bodyPr wrap="square" rtlCol="0">
-                <a:spAutoFit/>
-              </a:bodyPr>
-              <a:lstStyle/>
-              <a:p>
-                <a:r>
-                  <a:rPr lang="ko-KR" altLang="en-US" sz="3600" dirty="0"/>
-                  <a:t>간편로그인 </a:t>
-                </a:r>
-                <a:r>
-                  <a:rPr lang="en-US" altLang="ko-KR" sz="3600" dirty="0"/>
-                  <a:t>API</a:t>
-                </a:r>
-                <a:endParaRPr lang="ko-KR" altLang="en-US" sz="3600" dirty="0"/>
-              </a:p>
-            </p:txBody>
-          </p:sp>
-          <p:pic>
-            <p:nvPicPr>
-              <p:cNvPr id="1030" name="Picture 6">
-                <a:extLst>
-                  <a:ext uri="{FF2B5EF4-FFF2-40B4-BE49-F238E27FC236}">
-                    <a16:creationId xmlns:a16="http://schemas.microsoft.com/office/drawing/2014/main" id="{B8376C6C-9DEE-FEED-4F34-5D1004B96F03}"/>
-                  </a:ext>
-                </a:extLst>
-              </p:cNvPr>
-              <p:cNvPicPr>
-                <a:picLocks noChangeAspect="1" noChangeArrowheads="1"/>
-              </p:cNvPicPr>
-              <p:nvPr/>
-            </p:nvPicPr>
-            <p:blipFill>
-              <a:blip r:embed="rId5">
-                <a:extLst>
-                  <a:ext uri="{28A0092B-C50C-407E-A947-70E740481C1C}">
-                    <a14:useLocalDpi xmlns:a14="http://schemas.microsoft.com/office/drawing/2010/main" val="0"/>
-                  </a:ext>
-                </a:extLst>
-              </a:blip>
-              <a:srcRect/>
-              <a:stretch>
-                <a:fillRect/>
-              </a:stretch>
-            </p:blipFill>
-            <p:spPr bwMode="auto">
-              <a:xfrm>
-                <a:off x="7474646" y="5890324"/>
-                <a:ext cx="679774" cy="679774"/>
-              </a:xfrm>
-              <a:prstGeom prst="rect">
-                <a:avLst/>
-              </a:prstGeom>
-              <a:noFill/>
-              <a:extLst>
-                <a:ext uri="{909E8E84-426E-40DD-AFC4-6F175D3DCCD1}">
-                  <a14:hiddenFill xmlns:a14="http://schemas.microsoft.com/office/drawing/2010/main">
-                    <a:solidFill>
-                      <a:srgbClr val="FFFFFF"/>
-                    </a:solidFill>
-                  </a14:hiddenFill>
-                </a:ext>
-              </a:extLst>
-            </p:spPr>
-          </p:pic>
-          <p:pic>
-            <p:nvPicPr>
-              <p:cNvPr id="17" name="그림 16" descr="그래픽, 로고, 상징, 폰트이(가) 표시된 사진&#10;&#10;AI 생성 콘텐츠는 정확하지 않을 수 있습니다.">
-                <a:extLst>
-                  <a:ext uri="{FF2B5EF4-FFF2-40B4-BE49-F238E27FC236}">
-                    <a16:creationId xmlns:a16="http://schemas.microsoft.com/office/drawing/2014/main" id="{849FA22E-B1A0-5FEF-529A-D1FB5FFFD9F7}"/>
-                  </a:ext>
-                </a:extLst>
-              </p:cNvPr>
-              <p:cNvPicPr>
-                <a:picLocks noChangeAspect="1"/>
-              </p:cNvPicPr>
-              <p:nvPr/>
-            </p:nvPicPr>
-            <p:blipFill>
-              <a:blip r:embed="rId6">
-                <a:extLst>
-                  <a:ext uri="{28A0092B-C50C-407E-A947-70E740481C1C}">
-                    <a14:useLocalDpi xmlns:a14="http://schemas.microsoft.com/office/drawing/2010/main" val="0"/>
-                  </a:ext>
-                </a:extLst>
-              </a:blip>
-              <a:stretch>
-                <a:fillRect/>
-              </a:stretch>
-            </p:blipFill>
-            <p:spPr>
-              <a:xfrm>
-                <a:off x="6997368" y="5020234"/>
-                <a:ext cx="679775" cy="679775"/>
-              </a:xfrm>
-              <a:prstGeom prst="rect">
-                <a:avLst/>
-              </a:prstGeom>
-            </p:spPr>
-          </p:pic>
-          <p:pic>
-            <p:nvPicPr>
-              <p:cNvPr id="19" name="그림 18">
-                <a:extLst>
-                  <a:ext uri="{FF2B5EF4-FFF2-40B4-BE49-F238E27FC236}">
-                    <a16:creationId xmlns:a16="http://schemas.microsoft.com/office/drawing/2014/main" id="{1561BB3B-C011-4D54-6F58-1FAECA076C49}"/>
-                  </a:ext>
-                </a:extLst>
-              </p:cNvPr>
-              <p:cNvPicPr>
-                <a:picLocks noChangeAspect="1"/>
-              </p:cNvPicPr>
-              <p:nvPr/>
-            </p:nvPicPr>
-            <p:blipFill>
-              <a:blip r:embed="rId7">
-                <a:extLst>
-                  <a:ext uri="{28A0092B-C50C-407E-A947-70E740481C1C}">
-                    <a14:useLocalDpi xmlns:a14="http://schemas.microsoft.com/office/drawing/2010/main" val="0"/>
-                  </a:ext>
-                </a:extLst>
-              </a:blip>
-              <a:stretch>
-                <a:fillRect/>
-              </a:stretch>
-            </p:blipFill>
-            <p:spPr>
-              <a:xfrm>
-                <a:off x="8054923" y="4998782"/>
-                <a:ext cx="679774" cy="679774"/>
-              </a:xfrm>
-              <a:prstGeom prst="rect">
-                <a:avLst/>
-              </a:prstGeom>
-            </p:spPr>
-          </p:pic>
-        </p:grpSp>
-        <p:grpSp>
-          <p:nvGrpSpPr>
-            <p:cNvPr id="28" name="그룹 27">
-              <a:extLst>
-                <a:ext uri="{FF2B5EF4-FFF2-40B4-BE49-F238E27FC236}">
-                  <a16:creationId xmlns:a16="http://schemas.microsoft.com/office/drawing/2014/main" id="{5A78BAEE-FA09-0433-94FC-3573B0D3566F}"/>
-                </a:ext>
-              </a:extLst>
-            </p:cNvPr>
-            <p:cNvGrpSpPr/>
-            <p:nvPr/>
-          </p:nvGrpSpPr>
-          <p:grpSpPr>
-            <a:xfrm>
-              <a:off x="13574466" y="6684704"/>
-              <a:ext cx="1870049" cy="1700724"/>
-              <a:chOff x="4362835" y="835978"/>
-              <a:chExt cx="2414877" cy="2187868"/>
-            </a:xfrm>
-          </p:grpSpPr>
-          <p:sp>
-            <p:nvSpPr>
-              <p:cNvPr id="11" name="TextBox 10">
-                <a:extLst>
-                  <a:ext uri="{FF2B5EF4-FFF2-40B4-BE49-F238E27FC236}">
-                    <a16:creationId xmlns:a16="http://schemas.microsoft.com/office/drawing/2014/main" id="{D334447E-1D7D-AE0F-E736-428AE7A3FE73}"/>
-                  </a:ext>
-                </a:extLst>
-              </p:cNvPr>
-              <p:cNvSpPr txBox="1"/>
-              <p:nvPr/>
-            </p:nvSpPr>
-            <p:spPr>
-              <a:xfrm>
-                <a:off x="4934591" y="835978"/>
-                <a:ext cx="1843121" cy="326402"/>
-              </a:xfrm>
-              <a:prstGeom prst="rect">
-                <a:avLst/>
-              </a:prstGeom>
-              <a:noFill/>
-            </p:spPr>
-            <p:txBody>
-              <a:bodyPr wrap="square" rtlCol="0">
-                <a:spAutoFit/>
-              </a:bodyPr>
-              <a:lstStyle/>
-              <a:p>
-                <a:r>
-                  <a:rPr lang="ko-KR" altLang="en-US" sz="3600" dirty="0"/>
-                  <a:t>서버</a:t>
-                </a:r>
-              </a:p>
-            </p:txBody>
-          </p:sp>
-          <p:sp>
-            <p:nvSpPr>
-              <p:cNvPr id="22" name="사각형: 둥근 모서리 21">
-                <a:extLst>
-                  <a:ext uri="{FF2B5EF4-FFF2-40B4-BE49-F238E27FC236}">
-                    <a16:creationId xmlns:a16="http://schemas.microsoft.com/office/drawing/2014/main" id="{6218C985-F666-91B7-E233-3446E6F6EF7F}"/>
-                  </a:ext>
-                </a:extLst>
-              </p:cNvPr>
-              <p:cNvSpPr/>
-              <p:nvPr/>
-            </p:nvSpPr>
-            <p:spPr>
-              <a:xfrm>
-                <a:off x="4362835" y="1180646"/>
-                <a:ext cx="1843121" cy="1843200"/>
-              </a:xfrm>
-              <a:prstGeom prst="roundRect">
-                <a:avLst/>
-              </a:prstGeom>
-              <a:solidFill>
-                <a:schemeClr val="bg1">
-                  <a:lumMod val="95000"/>
-                </a:schemeClr>
-              </a:solidFill>
-              <a:ln>
-                <a:noFill/>
-              </a:ln>
-            </p:spPr>
-            <p:style>
-              <a:lnRef idx="2">
-                <a:schemeClr val="accent1">
-                  <a:shade val="15000"/>
-                </a:schemeClr>
-              </a:lnRef>
-              <a:fillRef idx="1">
-                <a:schemeClr val="accent1"/>
-              </a:fillRef>
-              <a:effectRef idx="0">
-                <a:schemeClr val="accent1"/>
-              </a:effectRef>
-              <a:fontRef idx="minor">
-                <a:schemeClr val="lt1"/>
-              </a:fontRef>
-            </p:style>
-            <p:txBody>
-              <a:bodyPr rtlCol="0" anchor="ctr"/>
-              <a:lstStyle/>
-              <a:p>
-                <a:pPr algn="ctr"/>
-                <a:endParaRPr lang="ko-KR" altLang="en-US" dirty="0"/>
-              </a:p>
-            </p:txBody>
-          </p:sp>
-          <p:pic>
-            <p:nvPicPr>
-              <p:cNvPr id="23" name="Picture 8">
-                <a:extLst>
-                  <a:ext uri="{FF2B5EF4-FFF2-40B4-BE49-F238E27FC236}">
-                    <a16:creationId xmlns:a16="http://schemas.microsoft.com/office/drawing/2014/main" id="{F57B6BD2-CE06-812D-1C12-6212CE01D2B6}"/>
-                  </a:ext>
-                </a:extLst>
-              </p:cNvPr>
-              <p:cNvPicPr>
-                <a:picLocks noChangeAspect="1" noChangeArrowheads="1"/>
-              </p:cNvPicPr>
-              <p:nvPr/>
-            </p:nvPicPr>
-            <p:blipFill>
-              <a:blip r:embed="rId8">
-                <a:extLst>
-                  <a:ext uri="{28A0092B-C50C-407E-A947-70E740481C1C}">
-                    <a14:useLocalDpi xmlns:a14="http://schemas.microsoft.com/office/drawing/2010/main" val="0"/>
-                  </a:ext>
-                </a:extLst>
-              </a:blip>
-              <a:srcRect/>
-              <a:stretch>
-                <a:fillRect/>
-              </a:stretch>
-            </p:blipFill>
-            <p:spPr bwMode="auto">
-              <a:xfrm>
-                <a:off x="4745154" y="1771561"/>
-                <a:ext cx="1078482" cy="661369"/>
-              </a:xfrm>
-              <a:prstGeom prst="roundRect">
-                <a:avLst>
-                  <a:gd name="adj" fmla="val 16667"/>
-                </a:avLst>
-              </a:prstGeom>
-              <a:ln>
-                <a:noFill/>
-              </a:ln>
-              <a:effectLst/>
-              <a:scene3d>
-                <a:camera prst="orthographicFront"/>
-                <a:lightRig rig="contrasting" dir="t">
-                  <a:rot lat="0" lon="0" rev="4200000"/>
-                </a:lightRig>
-              </a:scene3d>
-              <a:sp3d prstMaterial="plastic">
-                <a:bevelT w="381000" h="114300" prst="relaxedInset"/>
-                <a:contourClr>
-                  <a:srgbClr val="969696"/>
-                </a:contourClr>
-              </a:sp3d>
-              <a:extLst>
-                <a:ext uri="{909E8E84-426E-40DD-AFC4-6F175D3DCCD1}">
-                  <a14:hiddenFill xmlns:a14="http://schemas.microsoft.com/office/drawing/2010/main">
-                    <a:solidFill>
-                      <a:srgbClr val="FFFFFF"/>
-                    </a:solidFill>
-                  </a14:hiddenFill>
-                </a:ext>
-              </a:extLst>
-            </p:spPr>
-          </p:pic>
-        </p:grpSp>
-        <p:grpSp>
-          <p:nvGrpSpPr>
-            <p:cNvPr id="30" name="그룹 29">
-              <a:extLst>
-                <a:ext uri="{FF2B5EF4-FFF2-40B4-BE49-F238E27FC236}">
-                  <a16:creationId xmlns:a16="http://schemas.microsoft.com/office/drawing/2014/main" id="{BBF0B287-64D9-6DA7-6BB6-3881ABDF4E6E}"/>
-                </a:ext>
-              </a:extLst>
-            </p:cNvPr>
-            <p:cNvGrpSpPr/>
-            <p:nvPr/>
-          </p:nvGrpSpPr>
-          <p:grpSpPr>
-            <a:xfrm>
-              <a:off x="15987221" y="6670590"/>
-              <a:ext cx="1609281" cy="1710654"/>
-              <a:chOff x="6355246" y="823203"/>
-              <a:chExt cx="2078136" cy="2200643"/>
-            </a:xfrm>
-          </p:grpSpPr>
-          <p:sp>
-            <p:nvSpPr>
-              <p:cNvPr id="24" name="TextBox 23">
-                <a:extLst>
-                  <a:ext uri="{FF2B5EF4-FFF2-40B4-BE49-F238E27FC236}">
-                    <a16:creationId xmlns:a16="http://schemas.microsoft.com/office/drawing/2014/main" id="{01F1491E-2C71-87EE-EE7C-77474AD2132B}"/>
-                  </a:ext>
-                </a:extLst>
-              </p:cNvPr>
-              <p:cNvSpPr txBox="1"/>
-              <p:nvPr/>
-            </p:nvSpPr>
-            <p:spPr>
-              <a:xfrm>
-                <a:off x="6590260" y="823203"/>
-                <a:ext cx="1843122" cy="326402"/>
-              </a:xfrm>
-              <a:prstGeom prst="rect">
-                <a:avLst/>
-              </a:prstGeom>
-              <a:noFill/>
-            </p:spPr>
-            <p:txBody>
-              <a:bodyPr wrap="square" rtlCol="0">
-                <a:spAutoFit/>
-              </a:bodyPr>
-              <a:lstStyle/>
-              <a:p>
-                <a:r>
-                  <a:rPr lang="ko-KR" altLang="en-US" sz="3600" dirty="0"/>
-                  <a:t>데이터베이스</a:t>
-                </a:r>
-              </a:p>
-            </p:txBody>
-          </p:sp>
-          <p:sp>
-            <p:nvSpPr>
-              <p:cNvPr id="25" name="사각형: 둥근 모서리 24">
-                <a:extLst>
-                  <a:ext uri="{FF2B5EF4-FFF2-40B4-BE49-F238E27FC236}">
-                    <a16:creationId xmlns:a16="http://schemas.microsoft.com/office/drawing/2014/main" id="{A0FF55BE-E60D-F8D2-8440-18F705D8B5B8}"/>
-                  </a:ext>
-                </a:extLst>
-              </p:cNvPr>
-              <p:cNvSpPr/>
-              <p:nvPr/>
-            </p:nvSpPr>
-            <p:spPr>
-              <a:xfrm>
-                <a:off x="6355246" y="1180646"/>
-                <a:ext cx="1843121" cy="1843200"/>
-              </a:xfrm>
-              <a:prstGeom prst="roundRect">
-                <a:avLst/>
-              </a:prstGeom>
-              <a:solidFill>
-                <a:schemeClr val="bg1">
-                  <a:lumMod val="95000"/>
-                </a:schemeClr>
-              </a:solidFill>
-              <a:ln>
-                <a:noFill/>
-              </a:ln>
-            </p:spPr>
-            <p:style>
-              <a:lnRef idx="2">
-                <a:schemeClr val="accent1">
-                  <a:shade val="15000"/>
-                </a:schemeClr>
-              </a:lnRef>
-              <a:fillRef idx="1">
-                <a:schemeClr val="accent1"/>
-              </a:fillRef>
-              <a:effectRef idx="0">
-                <a:schemeClr val="accent1"/>
-              </a:effectRef>
-              <a:fontRef idx="minor">
-                <a:schemeClr val="lt1"/>
-              </a:fontRef>
-            </p:style>
-            <p:txBody>
-              <a:bodyPr rtlCol="0" anchor="ctr"/>
-              <a:lstStyle/>
-              <a:p>
-                <a:pPr algn="ctr"/>
-                <a:endParaRPr lang="ko-KR" altLang="en-US" dirty="0"/>
-              </a:p>
-            </p:txBody>
-          </p:sp>
-          <p:pic>
-            <p:nvPicPr>
-              <p:cNvPr id="1028" name="Picture 4" descr="MySQL - 나무위키">
-                <a:extLst>
-                  <a:ext uri="{FF2B5EF4-FFF2-40B4-BE49-F238E27FC236}">
-                    <a16:creationId xmlns:a16="http://schemas.microsoft.com/office/drawing/2014/main" id="{385E27D4-AE7E-4058-F2CE-03B4A3CB6AED}"/>
-                  </a:ext>
-                </a:extLst>
-              </p:cNvPr>
-              <p:cNvPicPr>
-                <a:picLocks noChangeAspect="1" noChangeArrowheads="1"/>
-              </p:cNvPicPr>
-              <p:nvPr/>
-            </p:nvPicPr>
-            <p:blipFill>
-              <a:blip r:embed="rId9">
-                <a:extLst>
-                  <a:ext uri="{28A0092B-C50C-407E-A947-70E740481C1C}">
-                    <a14:useLocalDpi xmlns:a14="http://schemas.microsoft.com/office/drawing/2010/main" val="0"/>
-                  </a:ext>
-                </a:extLst>
-              </a:blip>
-              <a:srcRect/>
-              <a:stretch>
-                <a:fillRect/>
-              </a:stretch>
-            </p:blipFill>
-            <p:spPr bwMode="auto">
-              <a:xfrm>
-                <a:off x="6791516" y="1743818"/>
-                <a:ext cx="970679" cy="660204"/>
-              </a:xfrm>
-              <a:prstGeom prst="roundRect">
-                <a:avLst>
-                  <a:gd name="adj" fmla="val 16667"/>
-                </a:avLst>
-              </a:prstGeom>
-              <a:ln>
-                <a:noFill/>
-              </a:ln>
-              <a:effectLst/>
-              <a:scene3d>
-                <a:camera prst="orthographicFront"/>
-                <a:lightRig rig="contrasting" dir="t">
-                  <a:rot lat="0" lon="0" rev="4200000"/>
-                </a:lightRig>
-              </a:scene3d>
-              <a:sp3d prstMaterial="plastic">
-                <a:bevelT w="381000" h="114300" prst="relaxedInset"/>
-                <a:contourClr>
-                  <a:srgbClr val="969696"/>
-                </a:contourClr>
-              </a:sp3d>
-              <a:extLst>
-                <a:ext uri="{909E8E84-426E-40DD-AFC4-6F175D3DCCD1}">
-                  <a14:hiddenFill xmlns:a14="http://schemas.microsoft.com/office/drawing/2010/main">
-                    <a:solidFill>
-                      <a:srgbClr val="FFFFFF"/>
-                    </a:solidFill>
-                  </a14:hiddenFill>
-                </a:ext>
-              </a:extLst>
-            </p:spPr>
-          </p:pic>
-        </p:grpSp>
-        <p:grpSp>
-          <p:nvGrpSpPr>
-            <p:cNvPr id="54" name="그룹 53">
-              <a:extLst>
-                <a:ext uri="{FF2B5EF4-FFF2-40B4-BE49-F238E27FC236}">
-                  <a16:creationId xmlns:a16="http://schemas.microsoft.com/office/drawing/2014/main" id="{B815005C-5F6D-9852-F0DD-7A0BF87F7088}"/>
-                </a:ext>
-              </a:extLst>
-            </p:cNvPr>
-            <p:cNvGrpSpPr/>
-            <p:nvPr/>
-          </p:nvGrpSpPr>
-          <p:grpSpPr>
-            <a:xfrm>
-              <a:off x="15820065" y="9331493"/>
-              <a:ext cx="2156235" cy="2187870"/>
-              <a:chOff x="4667892" y="3440885"/>
-              <a:chExt cx="2784443" cy="2814549"/>
-            </a:xfrm>
-          </p:grpSpPr>
-          <p:sp>
-            <p:nvSpPr>
-              <p:cNvPr id="49" name="사각형: 둥근 모서리 48">
-                <a:extLst>
-                  <a:ext uri="{FF2B5EF4-FFF2-40B4-BE49-F238E27FC236}">
-                    <a16:creationId xmlns:a16="http://schemas.microsoft.com/office/drawing/2014/main" id="{510DEDE6-1EDB-42A6-93F7-AE462A4DA26E}"/>
-                  </a:ext>
-                </a:extLst>
-              </p:cNvPr>
-              <p:cNvSpPr/>
-              <p:nvPr/>
-            </p:nvSpPr>
-            <p:spPr>
-              <a:xfrm>
-                <a:off x="4667892" y="3825434"/>
-                <a:ext cx="2431323" cy="2430000"/>
-              </a:xfrm>
-              <a:prstGeom prst="roundRect">
-                <a:avLst/>
-              </a:prstGeom>
-              <a:solidFill>
-                <a:schemeClr val="bg1">
-                  <a:lumMod val="95000"/>
-                </a:schemeClr>
-              </a:solidFill>
-              <a:ln>
-                <a:noFill/>
-              </a:ln>
-            </p:spPr>
-            <p:style>
-              <a:lnRef idx="2">
-                <a:schemeClr val="accent1">
-                  <a:shade val="15000"/>
-                </a:schemeClr>
-              </a:lnRef>
-              <a:fillRef idx="1">
-                <a:schemeClr val="accent1"/>
-              </a:fillRef>
-              <a:effectRef idx="0">
-                <a:schemeClr val="accent1"/>
-              </a:effectRef>
-              <a:fontRef idx="minor">
-                <a:schemeClr val="lt1"/>
-              </a:fontRef>
-            </p:style>
-            <p:txBody>
-              <a:bodyPr rtlCol="0" anchor="ctr"/>
-              <a:lstStyle/>
-              <a:p>
-                <a:pPr algn="ctr"/>
-                <a:endParaRPr lang="ko-KR" altLang="en-US" dirty="0"/>
-              </a:p>
-            </p:txBody>
-          </p:sp>
-          <p:sp>
-            <p:nvSpPr>
-              <p:cNvPr id="2" name="TextBox 1">
-                <a:extLst>
-                  <a:ext uri="{FF2B5EF4-FFF2-40B4-BE49-F238E27FC236}">
-                    <a16:creationId xmlns:a16="http://schemas.microsoft.com/office/drawing/2014/main" id="{E0DAF164-A446-D0F9-1F52-2CCF2DE6512D}"/>
-                  </a:ext>
-                </a:extLst>
-              </p:cNvPr>
-              <p:cNvSpPr txBox="1"/>
-              <p:nvPr/>
-            </p:nvSpPr>
-            <p:spPr>
-              <a:xfrm>
-                <a:off x="5123730" y="5082173"/>
-                <a:ext cx="2249246" cy="326402"/>
-              </a:xfrm>
-              <a:prstGeom prst="rect">
-                <a:avLst/>
-              </a:prstGeom>
-              <a:noFill/>
-            </p:spPr>
-            <p:txBody>
-              <a:bodyPr wrap="square" rtlCol="0">
-                <a:spAutoFit/>
-              </a:bodyPr>
-              <a:lstStyle/>
-              <a:p>
-                <a:r>
-                  <a:rPr lang="en-US" altLang="ko-KR" sz="3600" dirty="0"/>
-                  <a:t>STT </a:t>
-                </a:r>
-                <a:r>
-                  <a:rPr lang="ko-KR" altLang="en-US" sz="3600" dirty="0"/>
-                  <a:t>변환 모델</a:t>
-                </a:r>
-              </a:p>
-            </p:txBody>
-          </p:sp>
-          <p:sp>
-            <p:nvSpPr>
-              <p:cNvPr id="3" name="TextBox 2">
-                <a:extLst>
-                  <a:ext uri="{FF2B5EF4-FFF2-40B4-BE49-F238E27FC236}">
-                    <a16:creationId xmlns:a16="http://schemas.microsoft.com/office/drawing/2014/main" id="{DDF9EAB6-D387-539A-19EB-DBA7D3A59604}"/>
-                  </a:ext>
-                </a:extLst>
-              </p:cNvPr>
-              <p:cNvSpPr txBox="1"/>
-              <p:nvPr/>
-            </p:nvSpPr>
-            <p:spPr>
-              <a:xfrm>
-                <a:off x="5129060" y="5476309"/>
-                <a:ext cx="2323275" cy="326402"/>
-              </a:xfrm>
-              <a:prstGeom prst="rect">
-                <a:avLst/>
-              </a:prstGeom>
-              <a:noFill/>
-            </p:spPr>
-            <p:txBody>
-              <a:bodyPr wrap="square" rtlCol="0">
-                <a:spAutoFit/>
-              </a:bodyPr>
-              <a:lstStyle/>
-              <a:p>
-                <a:r>
-                  <a:rPr lang="ko-KR" altLang="en-US" sz="3600" dirty="0"/>
-                  <a:t>화행검사 모델</a:t>
-                </a:r>
-              </a:p>
-            </p:txBody>
-          </p:sp>
-          <p:pic>
-            <p:nvPicPr>
-              <p:cNvPr id="47" name="Picture 8" descr="03-1. Google Colab 기초 - 인문 데이터 분석 - 디지털인문학 시리즈">
-                <a:extLst>
-                  <a:ext uri="{FF2B5EF4-FFF2-40B4-BE49-F238E27FC236}">
-                    <a16:creationId xmlns:a16="http://schemas.microsoft.com/office/drawing/2014/main" id="{601861A4-7CFE-EF2D-7C0A-7C83F5F40E21}"/>
-                  </a:ext>
-                </a:extLst>
-              </p:cNvPr>
-              <p:cNvPicPr>
-                <a:picLocks noChangeAspect="1" noChangeArrowheads="1"/>
-              </p:cNvPicPr>
-              <p:nvPr/>
-            </p:nvPicPr>
-            <p:blipFill>
-              <a:blip r:embed="rId10">
-                <a:extLst>
-                  <a:ext uri="{28A0092B-C50C-407E-A947-70E740481C1C}">
-                    <a14:useLocalDpi xmlns:a14="http://schemas.microsoft.com/office/drawing/2010/main" val="0"/>
-                  </a:ext>
-                </a:extLst>
-              </a:blip>
-              <a:srcRect/>
-              <a:stretch>
-                <a:fillRect/>
-              </a:stretch>
-            </p:blipFill>
-            <p:spPr bwMode="auto">
-              <a:xfrm>
-                <a:off x="5118762" y="4275378"/>
-                <a:ext cx="1500280" cy="661366"/>
-              </a:xfrm>
-              <a:prstGeom prst="roundRect">
-                <a:avLst>
-                  <a:gd name="adj" fmla="val 16667"/>
-                </a:avLst>
-              </a:prstGeom>
-              <a:ln>
-                <a:noFill/>
-              </a:ln>
-              <a:effectLst/>
-              <a:scene3d>
-                <a:camera prst="orthographicFront"/>
-                <a:lightRig rig="contrasting" dir="t">
-                  <a:rot lat="0" lon="0" rev="4200000"/>
-                </a:lightRig>
-              </a:scene3d>
-              <a:sp3d prstMaterial="plastic">
-                <a:bevelT w="381000" h="114300" prst="relaxedInset"/>
-                <a:contourClr>
-                  <a:srgbClr val="969696"/>
-                </a:contourClr>
-              </a:sp3d>
-              <a:extLst>
-                <a:ext uri="{909E8E84-426E-40DD-AFC4-6F175D3DCCD1}">
-                  <a14:hiddenFill xmlns:a14="http://schemas.microsoft.com/office/drawing/2010/main">
-                    <a:solidFill>
-                      <a:srgbClr val="FFFFFF"/>
-                    </a:solidFill>
-                  </a14:hiddenFill>
-                </a:ext>
-              </a:extLst>
-            </p:spPr>
-          </p:pic>
-          <p:sp>
-            <p:nvSpPr>
-              <p:cNvPr id="50" name="TextBox 49">
-                <a:extLst>
-                  <a:ext uri="{FF2B5EF4-FFF2-40B4-BE49-F238E27FC236}">
-                    <a16:creationId xmlns:a16="http://schemas.microsoft.com/office/drawing/2014/main" id="{6562C6E0-4375-4620-E184-6663A790D487}"/>
-                  </a:ext>
-                </a:extLst>
-              </p:cNvPr>
-              <p:cNvSpPr txBox="1"/>
-              <p:nvPr/>
-            </p:nvSpPr>
-            <p:spPr>
-              <a:xfrm>
-                <a:off x="5469889" y="3440885"/>
-                <a:ext cx="1843121" cy="326402"/>
-              </a:xfrm>
-              <a:prstGeom prst="rect">
-                <a:avLst/>
-              </a:prstGeom>
-              <a:noFill/>
-            </p:spPr>
-            <p:txBody>
-              <a:bodyPr wrap="square" rtlCol="0">
-                <a:spAutoFit/>
-              </a:bodyPr>
-              <a:lstStyle/>
-              <a:p>
-                <a:r>
-                  <a:rPr lang="ko-KR" altLang="en-US" sz="3600" dirty="0"/>
-                  <a:t>모델링</a:t>
-                </a:r>
-              </a:p>
-            </p:txBody>
-          </p:sp>
-        </p:grpSp>
-        <p:cxnSp>
-          <p:nvCxnSpPr>
-            <p:cNvPr id="1024" name="직선 화살표 연결선 1023">
-              <a:extLst>
-                <a:ext uri="{FF2B5EF4-FFF2-40B4-BE49-F238E27FC236}">
-                  <a16:creationId xmlns:a16="http://schemas.microsoft.com/office/drawing/2014/main" id="{CF115596-5ECE-9216-4220-533D254EF770}"/>
-                </a:ext>
-              </a:extLst>
-            </p:cNvPr>
-            <p:cNvCxnSpPr/>
-            <p:nvPr/>
-          </p:nvCxnSpPr>
+          </p:nvSpPr>
           <p:spPr>
             <a:xfrm>
-              <a:off x="14288109" y="9064088"/>
-              <a:ext cx="0" cy="204742"/>
+              <a:off x="1801787" y="2396454"/>
+              <a:ext cx="1843121" cy="2753011"/>
             </a:xfrm>
-            <a:prstGeom prst="straightConnector1">
+            <a:prstGeom prst="roundRect">
               <a:avLst/>
             </a:prstGeom>
-            <a:ln w="101600">
-              <a:tailEnd type="triangle"/>
+            <a:solidFill>
+              <a:schemeClr val="bg1">
+                <a:lumMod val="95000"/>
+              </a:schemeClr>
+            </a:solidFill>
+            <a:ln>
+              <a:noFill/>
             </a:ln>
           </p:spPr>
           <p:style>
             <a:lnRef idx="2">
-              <a:schemeClr val="accent1"/>
+              <a:schemeClr val="accent1">
+                <a:shade val="15000"/>
+              </a:schemeClr>
             </a:lnRef>
-            <a:fillRef idx="0">
+            <a:fillRef idx="1">
               <a:schemeClr val="accent1"/>
             </a:fillRef>
-            <a:effectRef idx="1">
+            <a:effectRef idx="0">
               <a:schemeClr val="accent1"/>
             </a:effectRef>
             <a:fontRef idx="minor">
-              <a:schemeClr val="tx1"/>
+              <a:schemeClr val="lt1"/>
             </a:fontRef>
           </p:style>
-        </p:cxnSp>
-        <p:cxnSp>
-          <p:nvCxnSpPr>
-            <p:cNvPr id="1027" name="직선 화살표 연결선 1026">
+          <p:txBody>
+            <a:bodyPr rtlCol="0" anchor="ctr"/>
+            <a:lstStyle/>
+            <a:p>
+              <a:pPr algn="ctr"/>
+              <a:endParaRPr lang="ko-KR" altLang="en-US" dirty="0"/>
+            </a:p>
+          </p:txBody>
+        </p:sp>
+        <p:sp>
+          <p:nvSpPr>
+            <p:cNvPr id="14" name="TextBox 13">
               <a:extLst>
                 <a:ext uri="{FF2B5EF4-FFF2-40B4-BE49-F238E27FC236}">
-                  <a16:creationId xmlns:a16="http://schemas.microsoft.com/office/drawing/2014/main" id="{AF2BDBF6-5853-7C4A-35E7-04F54E49F372}"/>
+                  <a16:creationId xmlns:a16="http://schemas.microsoft.com/office/drawing/2014/main" id="{F8E72B4F-41C1-982F-7D99-DF227A95CE1E}"/>
                 </a:ext>
               </a:extLst>
             </p:cNvPr>
-            <p:cNvCxnSpPr>
-              <a:cxnSpLocks/>
-            </p:cNvCxnSpPr>
+            <p:cNvSpPr txBox="1"/>
             <p:nvPr/>
-          </p:nvCxnSpPr>
+          </p:nvSpPr>
           <p:spPr>
             <a:xfrm>
-              <a:off x="16761455" y="8960396"/>
-              <a:ext cx="0" cy="308434"/>
+              <a:off x="2173936" y="1994140"/>
+              <a:ext cx="1843121" cy="326402"/>
             </a:xfrm>
-            <a:prstGeom prst="straightConnector1">
+            <a:prstGeom prst="rect">
               <a:avLst/>
             </a:prstGeom>
-            <a:ln w="101600">
-              <a:tailEnd type="triangle"/>
+            <a:noFill/>
+          </p:spPr>
+          <p:txBody>
+            <a:bodyPr wrap="square" rtlCol="0">
+              <a:spAutoFit/>
+            </a:bodyPr>
+            <a:lstStyle/>
+            <a:p>
+              <a:r>
+                <a:rPr lang="ko-KR" altLang="en-US" sz="3600" dirty="0" err="1"/>
+                <a:t>프론트엔드</a:t>
+              </a:r>
+              <a:endParaRPr lang="en-US" altLang="ko-KR" sz="3600" dirty="0"/>
+            </a:p>
+          </p:txBody>
+        </p:sp>
+        <p:pic>
+          <p:nvPicPr>
+            <p:cNvPr id="1026" name="Picture 2" descr="Flutter] 기본 위젯 4 개 : 이미지, 텍스트, 아이콘, 박스">
+              <a:extLst>
+                <a:ext uri="{FF2B5EF4-FFF2-40B4-BE49-F238E27FC236}">
+                  <a16:creationId xmlns:a16="http://schemas.microsoft.com/office/drawing/2014/main" id="{EA2DFCB9-79B3-4467-BED1-48B73C2F0951}"/>
+                </a:ext>
+              </a:extLst>
+            </p:cNvPr>
+            <p:cNvPicPr>
+              <a:picLocks noChangeAspect="1" noChangeArrowheads="1"/>
+            </p:cNvPicPr>
+            <p:nvPr/>
+          </p:nvPicPr>
+          <p:blipFill>
+            <a:blip r:embed="rId3">
+              <a:extLst>
+                <a:ext uri="{28A0092B-C50C-407E-A947-70E740481C1C}">
+                  <a14:useLocalDpi xmlns:a14="http://schemas.microsoft.com/office/drawing/2010/main" val="0"/>
+                </a:ext>
+              </a:extLst>
+            </a:blip>
+            <a:srcRect/>
+            <a:stretch>
+              <a:fillRect/>
+            </a:stretch>
+          </p:blipFill>
+          <p:spPr bwMode="auto">
+            <a:xfrm>
+              <a:off x="2360150" y="4064343"/>
+              <a:ext cx="679774" cy="682808"/>
+            </a:xfrm>
+            <a:prstGeom prst="roundRect">
+              <a:avLst>
+                <a:gd name="adj" fmla="val 16667"/>
+              </a:avLst>
+            </a:prstGeom>
+            <a:ln>
+              <a:noFill/>
+            </a:ln>
+            <a:effectLst/>
+            <a:scene3d>
+              <a:camera prst="orthographicFront"/>
+              <a:lightRig rig="contrasting" dir="t">
+                <a:rot lat="0" lon="0" rev="4200000"/>
+              </a:lightRig>
+            </a:scene3d>
+            <a:sp3d prstMaterial="plastic">
+              <a:bevelT w="381000" h="114300" prst="relaxedInset"/>
+              <a:contourClr>
+                <a:srgbClr val="969696"/>
+              </a:contourClr>
+            </a:sp3d>
+            <a:extLst>
+              <a:ext uri="{909E8E84-426E-40DD-AFC4-6F175D3DCCD1}">
+                <a14:hiddenFill xmlns:a14="http://schemas.microsoft.com/office/drawing/2010/main">
+                  <a:solidFill>
+                    <a:srgbClr val="FFFFFF"/>
+                  </a:solidFill>
+                </a14:hiddenFill>
+              </a:ext>
+            </a:extLst>
+          </p:spPr>
+        </p:pic>
+        <p:pic>
+          <p:nvPicPr>
+            <p:cNvPr id="6" name="Picture 4">
+              <a:extLst>
+                <a:ext uri="{FF2B5EF4-FFF2-40B4-BE49-F238E27FC236}">
+                  <a16:creationId xmlns:a16="http://schemas.microsoft.com/office/drawing/2014/main" id="{314255C7-3041-D209-1282-80BC75CF78B0}"/>
+                </a:ext>
+              </a:extLst>
+            </p:cNvPr>
+            <p:cNvPicPr>
+              <a:picLocks noChangeAspect="1" noChangeArrowheads="1"/>
+            </p:cNvPicPr>
+            <p:nvPr/>
+          </p:nvPicPr>
+          <p:blipFill>
+            <a:blip r:embed="rId4">
+              <a:extLst>
+                <a:ext uri="{28A0092B-C50C-407E-A947-70E740481C1C}">
+                  <a14:useLocalDpi xmlns:a14="http://schemas.microsoft.com/office/drawing/2010/main" val="0"/>
+                </a:ext>
+              </a:extLst>
+            </a:blip>
+            <a:srcRect/>
+            <a:stretch>
+              <a:fillRect/>
+            </a:stretch>
+          </p:blipFill>
+          <p:spPr bwMode="auto">
+            <a:xfrm>
+              <a:off x="2318466" y="2723404"/>
+              <a:ext cx="763142" cy="679774"/>
+            </a:xfrm>
+            <a:prstGeom prst="roundRect">
+              <a:avLst>
+                <a:gd name="adj" fmla="val 16667"/>
+              </a:avLst>
+            </a:prstGeom>
+            <a:ln>
+              <a:noFill/>
+            </a:ln>
+            <a:effectLst/>
+            <a:scene3d>
+              <a:camera prst="orthographicFront"/>
+              <a:lightRig rig="contrasting" dir="t">
+                <a:rot lat="0" lon="0" rev="4200000"/>
+              </a:lightRig>
+            </a:scene3d>
+            <a:sp3d prstMaterial="plastic">
+              <a:bevelT w="381000" h="114300" prst="relaxedInset"/>
+              <a:contourClr>
+                <a:srgbClr val="969696"/>
+              </a:contourClr>
+            </a:sp3d>
+            <a:extLst>
+              <a:ext uri="{909E8E84-426E-40DD-AFC4-6F175D3DCCD1}">
+                <a14:hiddenFill xmlns:a14="http://schemas.microsoft.com/office/drawing/2010/main">
+                  <a:solidFill>
+                    <a:srgbClr val="FFFFFF"/>
+                  </a:solidFill>
+                </a14:hiddenFill>
+              </a:ext>
+            </a:extLst>
+          </p:spPr>
+        </p:pic>
+      </p:grpSp>
+      <p:grpSp>
+        <p:nvGrpSpPr>
+          <p:cNvPr id="27" name="그룹 26">
+            <a:extLst>
+              <a:ext uri="{FF2B5EF4-FFF2-40B4-BE49-F238E27FC236}">
+                <a16:creationId xmlns:a16="http://schemas.microsoft.com/office/drawing/2014/main" id="{BD2B46DE-0071-632B-7F83-72CE942828D6}"/>
+              </a:ext>
+            </a:extLst>
+          </p:cNvPr>
+          <p:cNvGrpSpPr/>
+          <p:nvPr/>
+        </p:nvGrpSpPr>
+        <p:grpSpPr>
+          <a:xfrm>
+            <a:off x="12279679" y="12017414"/>
+            <a:ext cx="4796116" cy="5596813"/>
+            <a:chOff x="6619064" y="4099716"/>
+            <a:chExt cx="2431323" cy="2826434"/>
+          </a:xfrm>
+        </p:grpSpPr>
+        <p:sp>
+          <p:nvSpPr>
+            <p:cNvPr id="20" name="사각형: 둥근 모서리 19">
+              <a:extLst>
+                <a:ext uri="{FF2B5EF4-FFF2-40B4-BE49-F238E27FC236}">
+                  <a16:creationId xmlns:a16="http://schemas.microsoft.com/office/drawing/2014/main" id="{B752D741-12C5-296A-3313-497F3377475B}"/>
+                </a:ext>
+              </a:extLst>
+            </p:cNvPr>
+            <p:cNvSpPr/>
+            <p:nvPr/>
+          </p:nvSpPr>
+          <p:spPr>
+            <a:xfrm>
+              <a:off x="6619064" y="4496150"/>
+              <a:ext cx="2431323" cy="2430000"/>
+            </a:xfrm>
+            <a:prstGeom prst="roundRect">
+              <a:avLst/>
+            </a:prstGeom>
+            <a:solidFill>
+              <a:schemeClr val="bg1">
+                <a:lumMod val="95000"/>
+              </a:schemeClr>
+            </a:solidFill>
+            <a:ln>
+              <a:noFill/>
             </a:ln>
           </p:spPr>
           <p:style>
             <a:lnRef idx="2">
-              <a:schemeClr val="accent1"/>
+              <a:schemeClr val="accent1">
+                <a:shade val="15000"/>
+              </a:schemeClr>
             </a:lnRef>
-            <a:fillRef idx="0">
+            <a:fillRef idx="1">
               <a:schemeClr val="accent1"/>
             </a:fillRef>
-            <a:effectRef idx="1">
+            <a:effectRef idx="0">
               <a:schemeClr val="accent1"/>
             </a:effectRef>
             <a:fontRef idx="minor">
-              <a:schemeClr val="tx1"/>
+              <a:schemeClr val="lt1"/>
             </a:fontRef>
           </p:style>
-        </p:cxnSp>
-        <p:cxnSp>
-          <p:nvCxnSpPr>
-            <p:cNvPr id="1031" name="직선 연결선 1030">
+          <p:txBody>
+            <a:bodyPr rtlCol="0" anchor="ctr"/>
+            <a:lstStyle/>
+            <a:p>
+              <a:pPr algn="ctr"/>
+              <a:endParaRPr lang="ko-KR" altLang="en-US" dirty="0"/>
+            </a:p>
+          </p:txBody>
+        </p:sp>
+        <p:sp>
+          <p:nvSpPr>
+            <p:cNvPr id="10" name="TextBox 9">
               <a:extLst>
                 <a:ext uri="{FF2B5EF4-FFF2-40B4-BE49-F238E27FC236}">
-                  <a16:creationId xmlns:a16="http://schemas.microsoft.com/office/drawing/2014/main" id="{8C9B252B-61CC-49B8-3B72-819F75727FBC}"/>
+                  <a16:creationId xmlns:a16="http://schemas.microsoft.com/office/drawing/2014/main" id="{0D26859E-4478-E0C3-6803-4D408D197B0D}"/>
                 </a:ext>
               </a:extLst>
             </p:cNvPr>
-            <p:cNvCxnSpPr/>
+            <p:cNvSpPr txBox="1"/>
             <p:nvPr/>
-          </p:nvCxnSpPr>
+          </p:nvSpPr>
           <p:spPr>
             <a:xfrm>
-              <a:off x="14288109" y="8960396"/>
-              <a:ext cx="2473346" cy="0"/>
+              <a:off x="7001166" y="4099716"/>
+              <a:ext cx="1843119" cy="326402"/>
             </a:xfrm>
-            <a:prstGeom prst="line">
+            <a:prstGeom prst="rect">
               <a:avLst/>
             </a:prstGeom>
-            <a:ln w="101600"/>
+            <a:noFill/>
           </p:spPr>
-          <p:style>
-            <a:lnRef idx="2">
-              <a:schemeClr val="accent1"/>
-            </a:lnRef>
-            <a:fillRef idx="0">
-              <a:schemeClr val="accent1"/>
-            </a:fillRef>
-            <a:effectRef idx="1">
-              <a:schemeClr val="accent1"/>
-            </a:effectRef>
-            <a:fontRef idx="minor">
-              <a:schemeClr val="tx1"/>
-            </a:fontRef>
-          </p:style>
-        </p:cxnSp>
-        <p:cxnSp>
-          <p:nvCxnSpPr>
-            <p:cNvPr id="1035" name="직선 화살표 연결선 1034">
+          <p:txBody>
+            <a:bodyPr wrap="square" rtlCol="0">
+              <a:spAutoFit/>
+            </a:bodyPr>
+            <a:lstStyle/>
+            <a:p>
+              <a:r>
+                <a:rPr lang="ko-KR" altLang="en-US" sz="3600" dirty="0"/>
+                <a:t>간편로그인 </a:t>
+              </a:r>
+              <a:r>
+                <a:rPr lang="en-US" altLang="ko-KR" sz="3600" dirty="0"/>
+                <a:t>API</a:t>
+              </a:r>
+              <a:endParaRPr lang="ko-KR" altLang="en-US" sz="3600" dirty="0"/>
+            </a:p>
+          </p:txBody>
+        </p:sp>
+        <p:pic>
+          <p:nvPicPr>
+            <p:cNvPr id="1030" name="Picture 6">
               <a:extLst>
                 <a:ext uri="{FF2B5EF4-FFF2-40B4-BE49-F238E27FC236}">
-                  <a16:creationId xmlns:a16="http://schemas.microsoft.com/office/drawing/2014/main" id="{FC1AED74-3076-626B-7047-2D4DD9E54818}"/>
+                  <a16:creationId xmlns:a16="http://schemas.microsoft.com/office/drawing/2014/main" id="{B8376C6C-9DEE-FEED-4F34-5D1004B96F03}"/>
                 </a:ext>
               </a:extLst>
             </p:cNvPr>
-            <p:cNvCxnSpPr>
-              <a:cxnSpLocks/>
-            </p:cNvCxnSpPr>
+            <p:cNvPicPr>
+              <a:picLocks noChangeAspect="1" noChangeArrowheads="1"/>
+            </p:cNvPicPr>
             <p:nvPr/>
-          </p:nvCxnSpPr>
-          <p:spPr>
-            <a:xfrm flipV="1">
-              <a:off x="14288109" y="8507786"/>
-              <a:ext cx="0" cy="556302"/>
+          </p:nvPicPr>
+          <p:blipFill>
+            <a:blip r:embed="rId5">
+              <a:extLst>
+                <a:ext uri="{28A0092B-C50C-407E-A947-70E740481C1C}">
+                  <a14:useLocalDpi xmlns:a14="http://schemas.microsoft.com/office/drawing/2010/main" val="0"/>
+                </a:ext>
+              </a:extLst>
+            </a:blip>
+            <a:srcRect/>
+            <a:stretch>
+              <a:fillRect/>
+            </a:stretch>
+          </p:blipFill>
+          <p:spPr bwMode="auto">
+            <a:xfrm>
+              <a:off x="7474646" y="5890324"/>
+              <a:ext cx="679774" cy="679774"/>
             </a:xfrm>
-            <a:prstGeom prst="straightConnector1">
+            <a:prstGeom prst="rect">
               <a:avLst/>
             </a:prstGeom>
-            <a:ln w="101600">
-              <a:tailEnd type="triangle"/>
+            <a:noFill/>
+            <a:extLst>
+              <a:ext uri="{909E8E84-426E-40DD-AFC4-6F175D3DCCD1}">
+                <a14:hiddenFill xmlns:a14="http://schemas.microsoft.com/office/drawing/2010/main">
+                  <a:solidFill>
+                    <a:srgbClr val="FFFFFF"/>
+                  </a:solidFill>
+                </a14:hiddenFill>
+              </a:ext>
+            </a:extLst>
+          </p:spPr>
+        </p:pic>
+        <p:pic>
+          <p:nvPicPr>
+            <p:cNvPr id="17" name="그림 16" descr="그래픽, 로고, 상징, 폰트이(가) 표시된 사진&#10;&#10;AI 생성 콘텐츠는 정확하지 않을 수 있습니다.">
+              <a:extLst>
+                <a:ext uri="{FF2B5EF4-FFF2-40B4-BE49-F238E27FC236}">
+                  <a16:creationId xmlns:a16="http://schemas.microsoft.com/office/drawing/2014/main" id="{849FA22E-B1A0-5FEF-529A-D1FB5FFFD9F7}"/>
+                </a:ext>
+              </a:extLst>
+            </p:cNvPr>
+            <p:cNvPicPr>
+              <a:picLocks noChangeAspect="1"/>
+            </p:cNvPicPr>
+            <p:nvPr/>
+          </p:nvPicPr>
+          <p:blipFill>
+            <a:blip r:embed="rId6">
+              <a:extLst>
+                <a:ext uri="{28A0092B-C50C-407E-A947-70E740481C1C}">
+                  <a14:useLocalDpi xmlns:a14="http://schemas.microsoft.com/office/drawing/2010/main" val="0"/>
+                </a:ext>
+              </a:extLst>
+            </a:blip>
+            <a:stretch>
+              <a:fillRect/>
+            </a:stretch>
+          </p:blipFill>
+          <p:spPr>
+            <a:xfrm>
+              <a:off x="6997368" y="5020234"/>
+              <a:ext cx="679775" cy="679775"/>
+            </a:xfrm>
+            <a:prstGeom prst="rect">
+              <a:avLst/>
+            </a:prstGeom>
+          </p:spPr>
+        </p:pic>
+        <p:pic>
+          <p:nvPicPr>
+            <p:cNvPr id="19" name="그림 18">
+              <a:extLst>
+                <a:ext uri="{FF2B5EF4-FFF2-40B4-BE49-F238E27FC236}">
+                  <a16:creationId xmlns:a16="http://schemas.microsoft.com/office/drawing/2014/main" id="{1561BB3B-C011-4D54-6F58-1FAECA076C49}"/>
+                </a:ext>
+              </a:extLst>
+            </p:cNvPr>
+            <p:cNvPicPr>
+              <a:picLocks noChangeAspect="1"/>
+            </p:cNvPicPr>
+            <p:nvPr/>
+          </p:nvPicPr>
+          <p:blipFill>
+            <a:blip r:embed="rId7">
+              <a:extLst>
+                <a:ext uri="{28A0092B-C50C-407E-A947-70E740481C1C}">
+                  <a14:useLocalDpi xmlns:a14="http://schemas.microsoft.com/office/drawing/2010/main" val="0"/>
+                </a:ext>
+              </a:extLst>
+            </a:blip>
+            <a:stretch>
+              <a:fillRect/>
+            </a:stretch>
+          </p:blipFill>
+          <p:spPr>
+            <a:xfrm>
+              <a:off x="8054923" y="4998782"/>
+              <a:ext cx="679774" cy="679774"/>
+            </a:xfrm>
+            <a:prstGeom prst="rect">
+              <a:avLst/>
+            </a:prstGeom>
+          </p:spPr>
+        </p:pic>
+      </p:grpSp>
+      <p:grpSp>
+        <p:nvGrpSpPr>
+          <p:cNvPr id="28" name="그룹 27">
+            <a:extLst>
+              <a:ext uri="{FF2B5EF4-FFF2-40B4-BE49-F238E27FC236}">
+                <a16:creationId xmlns:a16="http://schemas.microsoft.com/office/drawing/2014/main" id="{5A78BAEE-FA09-0433-94FC-3573B0D3566F}"/>
+              </a:ext>
+            </a:extLst>
+          </p:cNvPr>
+          <p:cNvGrpSpPr/>
+          <p:nvPr/>
+        </p:nvGrpSpPr>
+        <p:grpSpPr>
+          <a:xfrm>
+            <a:off x="13025936" y="5214623"/>
+            <a:ext cx="4763675" cy="4332345"/>
+            <a:chOff x="4362835" y="835978"/>
+            <a:chExt cx="2414877" cy="2187868"/>
+          </a:xfrm>
+        </p:grpSpPr>
+        <p:sp>
+          <p:nvSpPr>
+            <p:cNvPr id="11" name="TextBox 10">
+              <a:extLst>
+                <a:ext uri="{FF2B5EF4-FFF2-40B4-BE49-F238E27FC236}">
+                  <a16:creationId xmlns:a16="http://schemas.microsoft.com/office/drawing/2014/main" id="{D334447E-1D7D-AE0F-E736-428AE7A3FE73}"/>
+                </a:ext>
+              </a:extLst>
+            </p:cNvPr>
+            <p:cNvSpPr txBox="1"/>
+            <p:nvPr/>
+          </p:nvSpPr>
+          <p:spPr>
+            <a:xfrm>
+              <a:off x="4934591" y="835978"/>
+              <a:ext cx="1843121" cy="326402"/>
+            </a:xfrm>
+            <a:prstGeom prst="rect">
+              <a:avLst/>
+            </a:prstGeom>
+            <a:noFill/>
+          </p:spPr>
+          <p:txBody>
+            <a:bodyPr wrap="square" rtlCol="0">
+              <a:spAutoFit/>
+            </a:bodyPr>
+            <a:lstStyle/>
+            <a:p>
+              <a:r>
+                <a:rPr lang="ko-KR" altLang="en-US" sz="3600"/>
+                <a:t>백엔드</a:t>
+              </a:r>
+              <a:endParaRPr lang="ko-KR" altLang="en-US" sz="3600" dirty="0"/>
+            </a:p>
+          </p:txBody>
+        </p:sp>
+        <p:sp>
+          <p:nvSpPr>
+            <p:cNvPr id="22" name="사각형: 둥근 모서리 21">
+              <a:extLst>
+                <a:ext uri="{FF2B5EF4-FFF2-40B4-BE49-F238E27FC236}">
+                  <a16:creationId xmlns:a16="http://schemas.microsoft.com/office/drawing/2014/main" id="{6218C985-F666-91B7-E233-3446E6F6EF7F}"/>
+                </a:ext>
+              </a:extLst>
+            </p:cNvPr>
+            <p:cNvSpPr/>
+            <p:nvPr/>
+          </p:nvSpPr>
+          <p:spPr>
+            <a:xfrm>
+              <a:off x="4362835" y="1180646"/>
+              <a:ext cx="1843121" cy="1843200"/>
+            </a:xfrm>
+            <a:prstGeom prst="roundRect">
+              <a:avLst/>
+            </a:prstGeom>
+            <a:solidFill>
+              <a:schemeClr val="bg1">
+                <a:lumMod val="95000"/>
+              </a:schemeClr>
+            </a:solidFill>
+            <a:ln>
+              <a:noFill/>
             </a:ln>
           </p:spPr>
           <p:style>
             <a:lnRef idx="2">
-              <a:schemeClr val="accent1"/>
+              <a:schemeClr val="accent1">
+                <a:shade val="15000"/>
+              </a:schemeClr>
             </a:lnRef>
-            <a:fillRef idx="0">
+            <a:fillRef idx="1">
               <a:schemeClr val="accent1"/>
             </a:fillRef>
-            <a:effectRef idx="1">
+            <a:effectRef idx="0">
               <a:schemeClr val="accent1"/>
             </a:effectRef>
             <a:fontRef idx="minor">
-              <a:schemeClr val="tx1"/>
+              <a:schemeClr val="lt1"/>
             </a:fontRef>
           </p:style>
-        </p:cxnSp>
-        <p:cxnSp>
-          <p:nvCxnSpPr>
-            <p:cNvPr id="1041" name="직선 화살표 연결선 1040">
+          <p:txBody>
+            <a:bodyPr rtlCol="0" anchor="ctr"/>
+            <a:lstStyle/>
+            <a:p>
+              <a:pPr algn="ctr"/>
+              <a:endParaRPr lang="ko-KR" altLang="en-US" dirty="0"/>
+            </a:p>
+          </p:txBody>
+        </p:sp>
+        <p:pic>
+          <p:nvPicPr>
+            <p:cNvPr id="23" name="Picture 8">
               <a:extLst>
                 <a:ext uri="{FF2B5EF4-FFF2-40B4-BE49-F238E27FC236}">
-                  <a16:creationId xmlns:a16="http://schemas.microsoft.com/office/drawing/2014/main" id="{264B7687-6900-DD2D-20F3-4F9E2B8F0575}"/>
+                  <a16:creationId xmlns:a16="http://schemas.microsoft.com/office/drawing/2014/main" id="{F57B6BD2-CE06-812D-1C12-6212CE01D2B6}"/>
                 </a:ext>
               </a:extLst>
             </p:cNvPr>
-            <p:cNvCxnSpPr>
-              <a:cxnSpLocks/>
-            </p:cNvCxnSpPr>
+            <p:cNvPicPr>
+              <a:picLocks noChangeAspect="1" noChangeArrowheads="1"/>
+            </p:cNvPicPr>
             <p:nvPr/>
-          </p:nvCxnSpPr>
+          </p:nvPicPr>
+          <p:blipFill>
+            <a:blip r:embed="rId8">
+              <a:extLst>
+                <a:ext uri="{28A0092B-C50C-407E-A947-70E740481C1C}">
+                  <a14:useLocalDpi xmlns:a14="http://schemas.microsoft.com/office/drawing/2010/main" val="0"/>
+                </a:ext>
+              </a:extLst>
+            </a:blip>
+            <a:srcRect/>
+            <a:stretch>
+              <a:fillRect/>
+            </a:stretch>
+          </p:blipFill>
+          <p:spPr bwMode="auto">
+            <a:xfrm>
+              <a:off x="4745154" y="1771561"/>
+              <a:ext cx="1078482" cy="661369"/>
+            </a:xfrm>
+            <a:prstGeom prst="roundRect">
+              <a:avLst>
+                <a:gd name="adj" fmla="val 16667"/>
+              </a:avLst>
+            </a:prstGeom>
+            <a:ln>
+              <a:noFill/>
+            </a:ln>
+            <a:effectLst/>
+            <a:scene3d>
+              <a:camera prst="orthographicFront"/>
+              <a:lightRig rig="contrasting" dir="t">
+                <a:rot lat="0" lon="0" rev="4200000"/>
+              </a:lightRig>
+            </a:scene3d>
+            <a:sp3d prstMaterial="plastic">
+              <a:bevelT w="381000" h="114300" prst="relaxedInset"/>
+              <a:contourClr>
+                <a:srgbClr val="969696"/>
+              </a:contourClr>
+            </a:sp3d>
+            <a:extLst>
+              <a:ext uri="{909E8E84-426E-40DD-AFC4-6F175D3DCCD1}">
+                <a14:hiddenFill xmlns:a14="http://schemas.microsoft.com/office/drawing/2010/main">
+                  <a:solidFill>
+                    <a:srgbClr val="FFFFFF"/>
+                  </a:solidFill>
+                </a14:hiddenFill>
+              </a:ext>
+            </a:extLst>
+          </p:spPr>
+        </p:pic>
+      </p:grpSp>
+      <p:grpSp>
+        <p:nvGrpSpPr>
+          <p:cNvPr id="30" name="그룹 29">
+            <a:extLst>
+              <a:ext uri="{FF2B5EF4-FFF2-40B4-BE49-F238E27FC236}">
+                <a16:creationId xmlns:a16="http://schemas.microsoft.com/office/drawing/2014/main" id="{BBF0B287-64D9-6DA7-6BB6-3881ABDF4E6E}"/>
+              </a:ext>
+            </a:extLst>
+          </p:cNvPr>
+          <p:cNvGrpSpPr/>
+          <p:nvPr/>
+        </p:nvGrpSpPr>
+        <p:grpSpPr>
+          <a:xfrm>
+            <a:off x="19172075" y="5178670"/>
+            <a:ext cx="4099407" cy="4357640"/>
+            <a:chOff x="6355246" y="823203"/>
+            <a:chExt cx="2078136" cy="2200643"/>
+          </a:xfrm>
+        </p:grpSpPr>
+        <p:sp>
+          <p:nvSpPr>
+            <p:cNvPr id="24" name="TextBox 23">
+              <a:extLst>
+                <a:ext uri="{FF2B5EF4-FFF2-40B4-BE49-F238E27FC236}">
+                  <a16:creationId xmlns:a16="http://schemas.microsoft.com/office/drawing/2014/main" id="{01F1491E-2C71-87EE-EE7C-77474AD2132B}"/>
+                </a:ext>
+              </a:extLst>
+            </p:cNvPr>
+            <p:cNvSpPr txBox="1"/>
+            <p:nvPr/>
+          </p:nvSpPr>
           <p:spPr>
             <a:xfrm>
-              <a:off x="15140693" y="7664845"/>
-              <a:ext cx="655768" cy="0"/>
+              <a:off x="6590260" y="823203"/>
+              <a:ext cx="1843122" cy="326402"/>
             </a:xfrm>
-            <a:prstGeom prst="straightConnector1">
+            <a:prstGeom prst="rect">
               <a:avLst/>
             </a:prstGeom>
-            <a:ln w="101600">
-              <a:headEnd type="triangle"/>
-              <a:tailEnd type="triangle"/>
+            <a:noFill/>
+          </p:spPr>
+          <p:txBody>
+            <a:bodyPr wrap="square" rtlCol="0">
+              <a:spAutoFit/>
+            </a:bodyPr>
+            <a:lstStyle/>
+            <a:p>
+              <a:r>
+                <a:rPr lang="ko-KR" altLang="en-US" sz="3600" dirty="0"/>
+                <a:t>데이터베이스</a:t>
+              </a:r>
+            </a:p>
+          </p:txBody>
+        </p:sp>
+        <p:sp>
+          <p:nvSpPr>
+            <p:cNvPr id="25" name="사각형: 둥근 모서리 24">
+              <a:extLst>
+                <a:ext uri="{FF2B5EF4-FFF2-40B4-BE49-F238E27FC236}">
+                  <a16:creationId xmlns:a16="http://schemas.microsoft.com/office/drawing/2014/main" id="{A0FF55BE-E60D-F8D2-8440-18F705D8B5B8}"/>
+                </a:ext>
+              </a:extLst>
+            </p:cNvPr>
+            <p:cNvSpPr/>
+            <p:nvPr/>
+          </p:nvSpPr>
+          <p:spPr>
+            <a:xfrm>
+              <a:off x="6355246" y="1180646"/>
+              <a:ext cx="1843121" cy="1843200"/>
+            </a:xfrm>
+            <a:prstGeom prst="roundRect">
+              <a:avLst/>
+            </a:prstGeom>
+            <a:solidFill>
+              <a:schemeClr val="bg1">
+                <a:lumMod val="95000"/>
+              </a:schemeClr>
+            </a:solidFill>
+            <a:ln>
+              <a:noFill/>
             </a:ln>
           </p:spPr>
           <p:style>
             <a:lnRef idx="2">
-              <a:schemeClr val="accent1"/>
+              <a:schemeClr val="accent1">
+                <a:shade val="15000"/>
+              </a:schemeClr>
             </a:lnRef>
-            <a:fillRef idx="0">
+            <a:fillRef idx="1">
               <a:schemeClr val="accent1"/>
             </a:fillRef>
-            <a:effectRef idx="1">
+            <a:effectRef idx="0">
               <a:schemeClr val="accent1"/>
             </a:effectRef>
             <a:fontRef idx="minor">
-              <a:schemeClr val="tx1"/>
+              <a:schemeClr val="lt1"/>
             </a:fontRef>
           </p:style>
-        </p:cxnSp>
-        <p:cxnSp>
-          <p:nvCxnSpPr>
-            <p:cNvPr id="1047" name="직선 화살표 연결선 1046">
+          <p:txBody>
+            <a:bodyPr rtlCol="0" anchor="ctr"/>
+            <a:lstStyle/>
+            <a:p>
+              <a:pPr algn="ctr"/>
+              <a:endParaRPr lang="ko-KR" altLang="en-US" dirty="0"/>
+            </a:p>
+          </p:txBody>
+        </p:sp>
+        <p:pic>
+          <p:nvPicPr>
+            <p:cNvPr id="1028" name="Picture 4" descr="MySQL - 나무위키">
               <a:extLst>
                 <a:ext uri="{FF2B5EF4-FFF2-40B4-BE49-F238E27FC236}">
-                  <a16:creationId xmlns:a16="http://schemas.microsoft.com/office/drawing/2014/main" id="{9B5DDAD3-5721-1436-7E06-3165C600532F}"/>
+                  <a16:creationId xmlns:a16="http://schemas.microsoft.com/office/drawing/2014/main" id="{385E27D4-AE7E-4058-F2CE-03B4A3CB6AED}"/>
                 </a:ext>
               </a:extLst>
             </p:cNvPr>
-            <p:cNvCxnSpPr>
-              <a:cxnSpLocks/>
-            </p:cNvCxnSpPr>
+            <p:cNvPicPr>
+              <a:picLocks noChangeAspect="1" noChangeArrowheads="1"/>
+            </p:cNvPicPr>
             <p:nvPr/>
-          </p:nvCxnSpPr>
-          <p:spPr>
+          </p:nvPicPr>
+          <p:blipFill>
+            <a:blip r:embed="rId9">
+              <a:extLst>
+                <a:ext uri="{28A0092B-C50C-407E-A947-70E740481C1C}">
+                  <a14:useLocalDpi xmlns:a14="http://schemas.microsoft.com/office/drawing/2010/main" val="0"/>
+                </a:ext>
+              </a:extLst>
+            </a:blip>
+            <a:srcRect/>
+            <a:stretch>
+              <a:fillRect/>
+            </a:stretch>
+          </p:blipFill>
+          <p:spPr bwMode="auto">
             <a:xfrm>
-              <a:off x="12682306" y="7664845"/>
-              <a:ext cx="655768" cy="0"/>
+              <a:off x="6791516" y="1743818"/>
+              <a:ext cx="970679" cy="660204"/>
             </a:xfrm>
-            <a:prstGeom prst="straightConnector1">
-              <a:avLst/>
+            <a:prstGeom prst="roundRect">
+              <a:avLst>
+                <a:gd name="adj" fmla="val 16667"/>
+              </a:avLst>
             </a:prstGeom>
-            <a:ln w="101600">
-              <a:headEnd type="triangle"/>
-              <a:tailEnd type="triangle"/>
+            <a:ln>
+              <a:noFill/>
             </a:ln>
+            <a:effectLst/>
+            <a:scene3d>
+              <a:camera prst="orthographicFront"/>
+              <a:lightRig rig="contrasting" dir="t">
+                <a:rot lat="0" lon="0" rev="4200000"/>
+              </a:lightRig>
+            </a:scene3d>
+            <a:sp3d prstMaterial="plastic">
+              <a:bevelT w="381000" h="114300" prst="relaxedInset"/>
+              <a:contourClr>
+                <a:srgbClr val="969696"/>
+              </a:contourClr>
+            </a:sp3d>
+            <a:extLst>
+              <a:ext uri="{909E8E84-426E-40DD-AFC4-6F175D3DCCD1}">
+                <a14:hiddenFill xmlns:a14="http://schemas.microsoft.com/office/drawing/2010/main">
+                  <a:solidFill>
+                    <a:srgbClr val="FFFFFF"/>
+                  </a:solidFill>
+                </a14:hiddenFill>
+              </a:ext>
+            </a:extLst>
           </p:spPr>
-          <p:style>
-            <a:lnRef idx="2">
-              <a:schemeClr val="accent1"/>
-            </a:lnRef>
-            <a:fillRef idx="0">
-              <a:schemeClr val="accent1"/>
-            </a:fillRef>
-            <a:effectRef idx="1">
-              <a:schemeClr val="accent1"/>
-            </a:effectRef>
-            <a:fontRef idx="minor">
-              <a:schemeClr val="tx1"/>
-            </a:fontRef>
-          </p:style>
-        </p:cxnSp>
-        <p:grpSp>
-          <p:nvGrpSpPr>
-            <p:cNvPr id="1051" name="그룹 1050">
+        </p:pic>
+      </p:grpSp>
+      <p:sp>
+        <p:nvSpPr>
+          <p:cNvPr id="49" name="사각형: 둥근 모서리 48">
+            <a:extLst>
+              <a:ext uri="{FF2B5EF4-FFF2-40B4-BE49-F238E27FC236}">
+                <a16:creationId xmlns:a16="http://schemas.microsoft.com/office/drawing/2014/main" id="{510DEDE6-1EDB-42A6-93F7-AE462A4DA26E}"/>
+              </a:ext>
+            </a:extLst>
+          </p:cNvPr>
+          <p:cNvSpPr/>
+          <p:nvPr/>
+        </p:nvSpPr>
+        <p:spPr>
+          <a:xfrm>
+            <a:off x="18746270" y="12718401"/>
+            <a:ext cx="4796115" cy="4811807"/>
+          </a:xfrm>
+          <a:prstGeom prst="roundRect">
+            <a:avLst/>
+          </a:prstGeom>
+          <a:solidFill>
+            <a:schemeClr val="bg1">
+              <a:lumMod val="95000"/>
+            </a:schemeClr>
+          </a:solidFill>
+          <a:ln>
+            <a:noFill/>
+          </a:ln>
+        </p:spPr>
+        <p:style>
+          <a:lnRef idx="2">
+            <a:schemeClr val="accent1">
+              <a:shade val="15000"/>
+            </a:schemeClr>
+          </a:lnRef>
+          <a:fillRef idx="1">
+            <a:schemeClr val="accent1"/>
+          </a:fillRef>
+          <a:effectRef idx="0">
+            <a:schemeClr val="accent1"/>
+          </a:effectRef>
+          <a:fontRef idx="minor">
+            <a:schemeClr val="lt1"/>
+          </a:fontRef>
+        </p:style>
+        <p:txBody>
+          <a:bodyPr rtlCol="0" anchor="ctr"/>
+          <a:lstStyle/>
+          <a:p>
+            <a:pPr algn="ctr"/>
+            <a:endParaRPr lang="ko-KR" altLang="en-US" dirty="0"/>
+          </a:p>
+        </p:txBody>
+      </p:sp>
+      <p:sp>
+        <p:nvSpPr>
+          <p:cNvPr id="50" name="TextBox 49">
+            <a:extLst>
+              <a:ext uri="{FF2B5EF4-FFF2-40B4-BE49-F238E27FC236}">
+                <a16:creationId xmlns:a16="http://schemas.microsoft.com/office/drawing/2014/main" id="{6562C6E0-4375-4620-E184-6663A790D487}"/>
+              </a:ext>
+            </a:extLst>
+          </p:cNvPr>
+          <p:cNvSpPr txBox="1"/>
+          <p:nvPr/>
+        </p:nvSpPr>
+        <p:spPr>
+          <a:xfrm>
+            <a:off x="20328318" y="11956930"/>
+            <a:ext cx="3635807" cy="646331"/>
+          </a:xfrm>
+          <a:prstGeom prst="rect">
+            <a:avLst/>
+          </a:prstGeom>
+          <a:noFill/>
+        </p:spPr>
+        <p:txBody>
+          <a:bodyPr wrap="square" rtlCol="0">
+            <a:spAutoFit/>
+          </a:bodyPr>
+          <a:lstStyle/>
+          <a:p>
+            <a:r>
+              <a:rPr lang="ko-KR" altLang="en-US" sz="3600" dirty="0"/>
+              <a:t>모델링</a:t>
+            </a:r>
+          </a:p>
+        </p:txBody>
+      </p:sp>
+      <p:cxnSp>
+        <p:nvCxnSpPr>
+          <p:cNvPr id="1024" name="직선 화살표 연결선 1023">
+            <a:extLst>
+              <a:ext uri="{FF2B5EF4-FFF2-40B4-BE49-F238E27FC236}">
+                <a16:creationId xmlns:a16="http://schemas.microsoft.com/office/drawing/2014/main" id="{CF115596-5ECE-9216-4220-533D254EF770}"/>
+              </a:ext>
+            </a:extLst>
+          </p:cNvPr>
+          <p:cNvCxnSpPr/>
+          <p:nvPr/>
+        </p:nvCxnSpPr>
+        <p:spPr>
+          <a:xfrm>
+            <a:off x="14843837" y="11275755"/>
+            <a:ext cx="0" cy="521550"/>
+          </a:xfrm>
+          <a:prstGeom prst="straightConnector1">
+            <a:avLst/>
+          </a:prstGeom>
+          <a:ln w="101600">
+            <a:tailEnd type="triangle"/>
+          </a:ln>
+        </p:spPr>
+        <p:style>
+          <a:lnRef idx="2">
+            <a:schemeClr val="accent1"/>
+          </a:lnRef>
+          <a:fillRef idx="0">
+            <a:schemeClr val="accent1"/>
+          </a:fillRef>
+          <a:effectRef idx="1">
+            <a:schemeClr val="accent1"/>
+          </a:effectRef>
+          <a:fontRef idx="minor">
+            <a:schemeClr val="tx1"/>
+          </a:fontRef>
+        </p:style>
+      </p:cxnSp>
+      <p:cxnSp>
+        <p:nvCxnSpPr>
+          <p:cNvPr id="1027" name="직선 화살표 연결선 1026">
+            <a:extLst>
+              <a:ext uri="{FF2B5EF4-FFF2-40B4-BE49-F238E27FC236}">
+                <a16:creationId xmlns:a16="http://schemas.microsoft.com/office/drawing/2014/main" id="{AF2BDBF6-5853-7C4A-35E7-04F54E49F372}"/>
+              </a:ext>
+            </a:extLst>
+          </p:cNvPr>
+          <p:cNvCxnSpPr>
+            <a:cxnSpLocks/>
+          </p:cNvCxnSpPr>
+          <p:nvPr/>
+        </p:nvCxnSpPr>
+        <p:spPr>
+          <a:xfrm>
+            <a:off x="21144323" y="11011615"/>
+            <a:ext cx="0" cy="785690"/>
+          </a:xfrm>
+          <a:prstGeom prst="straightConnector1">
+            <a:avLst/>
+          </a:prstGeom>
+          <a:ln w="101600">
+            <a:tailEnd type="triangle"/>
+          </a:ln>
+        </p:spPr>
+        <p:style>
+          <a:lnRef idx="2">
+            <a:schemeClr val="accent1"/>
+          </a:lnRef>
+          <a:fillRef idx="0">
+            <a:schemeClr val="accent1"/>
+          </a:fillRef>
+          <a:effectRef idx="1">
+            <a:schemeClr val="accent1"/>
+          </a:effectRef>
+          <a:fontRef idx="minor">
+            <a:schemeClr val="tx1"/>
+          </a:fontRef>
+        </p:style>
+      </p:cxnSp>
+      <p:cxnSp>
+        <p:nvCxnSpPr>
+          <p:cNvPr id="1031" name="직선 연결선 1030">
+            <a:extLst>
+              <a:ext uri="{FF2B5EF4-FFF2-40B4-BE49-F238E27FC236}">
+                <a16:creationId xmlns:a16="http://schemas.microsoft.com/office/drawing/2014/main" id="{8C9B252B-61CC-49B8-3B72-819F75727FBC}"/>
+              </a:ext>
+            </a:extLst>
+          </p:cNvPr>
+          <p:cNvCxnSpPr/>
+          <p:nvPr/>
+        </p:nvCxnSpPr>
+        <p:spPr>
+          <a:xfrm>
+            <a:off x="14843837" y="11011615"/>
+            <a:ext cx="6300486" cy="0"/>
+          </a:xfrm>
+          <a:prstGeom prst="line">
+            <a:avLst/>
+          </a:prstGeom>
+          <a:ln w="101600"/>
+        </p:spPr>
+        <p:style>
+          <a:lnRef idx="2">
+            <a:schemeClr val="accent1"/>
+          </a:lnRef>
+          <a:fillRef idx="0">
+            <a:schemeClr val="accent1"/>
+          </a:fillRef>
+          <a:effectRef idx="1">
+            <a:schemeClr val="accent1"/>
+          </a:effectRef>
+          <a:fontRef idx="minor">
+            <a:schemeClr val="tx1"/>
+          </a:fontRef>
+        </p:style>
+      </p:cxnSp>
+      <p:cxnSp>
+        <p:nvCxnSpPr>
+          <p:cNvPr id="1035" name="직선 화살표 연결선 1034">
+            <a:extLst>
+              <a:ext uri="{FF2B5EF4-FFF2-40B4-BE49-F238E27FC236}">
+                <a16:creationId xmlns:a16="http://schemas.microsoft.com/office/drawing/2014/main" id="{FC1AED74-3076-626B-7047-2D4DD9E54818}"/>
+              </a:ext>
+            </a:extLst>
+          </p:cNvPr>
+          <p:cNvCxnSpPr>
+            <a:cxnSpLocks/>
+          </p:cNvCxnSpPr>
+          <p:nvPr/>
+        </p:nvCxnSpPr>
+        <p:spPr>
+          <a:xfrm flipV="1">
+            <a:off x="14843837" y="9858657"/>
+            <a:ext cx="0" cy="1417098"/>
+          </a:xfrm>
+          <a:prstGeom prst="straightConnector1">
+            <a:avLst/>
+          </a:prstGeom>
+          <a:ln w="101600">
+            <a:tailEnd type="triangle"/>
+          </a:ln>
+        </p:spPr>
+        <p:style>
+          <a:lnRef idx="2">
+            <a:schemeClr val="accent1"/>
+          </a:lnRef>
+          <a:fillRef idx="0">
+            <a:schemeClr val="accent1"/>
+          </a:fillRef>
+          <a:effectRef idx="1">
+            <a:schemeClr val="accent1"/>
+          </a:effectRef>
+          <a:fontRef idx="minor">
+            <a:schemeClr val="tx1"/>
+          </a:fontRef>
+        </p:style>
+      </p:cxnSp>
+      <p:cxnSp>
+        <p:nvCxnSpPr>
+          <p:cNvPr id="1041" name="직선 화살표 연결선 1040">
+            <a:extLst>
+              <a:ext uri="{FF2B5EF4-FFF2-40B4-BE49-F238E27FC236}">
+                <a16:creationId xmlns:a16="http://schemas.microsoft.com/office/drawing/2014/main" id="{264B7687-6900-DD2D-20F3-4F9E2B8F0575}"/>
+              </a:ext>
+            </a:extLst>
+          </p:cNvPr>
+          <p:cNvCxnSpPr>
+            <a:cxnSpLocks/>
+          </p:cNvCxnSpPr>
+          <p:nvPr/>
+        </p:nvCxnSpPr>
+        <p:spPr>
+          <a:xfrm>
+            <a:off x="17015669" y="7711389"/>
+            <a:ext cx="1670473" cy="0"/>
+          </a:xfrm>
+          <a:prstGeom prst="straightConnector1">
+            <a:avLst/>
+          </a:prstGeom>
+          <a:ln w="101600">
+            <a:headEnd type="triangle"/>
+            <a:tailEnd type="triangle"/>
+          </a:ln>
+        </p:spPr>
+        <p:style>
+          <a:lnRef idx="2">
+            <a:schemeClr val="accent1"/>
+          </a:lnRef>
+          <a:fillRef idx="0">
+            <a:schemeClr val="accent1"/>
+          </a:fillRef>
+          <a:effectRef idx="1">
+            <a:schemeClr val="accent1"/>
+          </a:effectRef>
+          <a:fontRef idx="minor">
+            <a:schemeClr val="tx1"/>
+          </a:fontRef>
+        </p:style>
+      </p:cxnSp>
+      <p:cxnSp>
+        <p:nvCxnSpPr>
+          <p:cNvPr id="1047" name="직선 화살표 연결선 1046">
+            <a:extLst>
+              <a:ext uri="{FF2B5EF4-FFF2-40B4-BE49-F238E27FC236}">
+                <a16:creationId xmlns:a16="http://schemas.microsoft.com/office/drawing/2014/main" id="{9B5DDAD3-5721-1436-7E06-3165C600532F}"/>
+              </a:ext>
+            </a:extLst>
+          </p:cNvPr>
+          <p:cNvCxnSpPr>
+            <a:cxnSpLocks/>
+          </p:cNvCxnSpPr>
+          <p:nvPr/>
+        </p:nvCxnSpPr>
+        <p:spPr>
+          <a:xfrm>
+            <a:off x="10753290" y="7711389"/>
+            <a:ext cx="1670473" cy="0"/>
+          </a:xfrm>
+          <a:prstGeom prst="straightConnector1">
+            <a:avLst/>
+          </a:prstGeom>
+          <a:ln w="101600">
+            <a:headEnd type="triangle"/>
+            <a:tailEnd type="triangle"/>
+          </a:ln>
+        </p:spPr>
+        <p:style>
+          <a:lnRef idx="2">
+            <a:schemeClr val="accent1"/>
+          </a:lnRef>
+          <a:fillRef idx="0">
+            <a:schemeClr val="accent1"/>
+          </a:fillRef>
+          <a:effectRef idx="1">
+            <a:schemeClr val="accent1"/>
+          </a:effectRef>
+          <a:fontRef idx="minor">
+            <a:schemeClr val="tx1"/>
+          </a:fontRef>
+        </p:style>
+      </p:cxnSp>
+      <p:grpSp>
+        <p:nvGrpSpPr>
+          <p:cNvPr id="1051" name="그룹 1050">
+            <a:extLst>
+              <a:ext uri="{FF2B5EF4-FFF2-40B4-BE49-F238E27FC236}">
+                <a16:creationId xmlns:a16="http://schemas.microsoft.com/office/drawing/2014/main" id="{9397D25B-C067-6078-9E29-61EFA07551C2}"/>
+              </a:ext>
+            </a:extLst>
+          </p:cNvPr>
+          <p:cNvGrpSpPr/>
+          <p:nvPr/>
+        </p:nvGrpSpPr>
+        <p:grpSpPr>
+          <a:xfrm>
+            <a:off x="1410831" y="6591583"/>
+            <a:ext cx="4200101" cy="3566873"/>
+            <a:chOff x="2071646" y="1537893"/>
+            <a:chExt cx="1648810" cy="1400227"/>
+          </a:xfrm>
+        </p:grpSpPr>
+        <p:sp>
+          <p:nvSpPr>
+            <p:cNvPr id="1049" name="TextBox 1048">
               <a:extLst>
                 <a:ext uri="{FF2B5EF4-FFF2-40B4-BE49-F238E27FC236}">
-                  <a16:creationId xmlns:a16="http://schemas.microsoft.com/office/drawing/2014/main" id="{9397D25B-C067-6078-9E29-61EFA07551C2}"/>
+                  <a16:creationId xmlns:a16="http://schemas.microsoft.com/office/drawing/2014/main" id="{C4680419-A7DF-6B72-A864-722A3E5D967F}"/>
                 </a:ext>
               </a:extLst>
             </p:cNvPr>
-            <p:cNvGrpSpPr/>
+            <p:cNvSpPr txBox="1"/>
             <p:nvPr/>
-          </p:nvGrpSpPr>
-          <p:grpSpPr>
+          </p:nvSpPr>
+          <p:spPr>
             <a:xfrm>
-              <a:off x="9014790" y="7159124"/>
-              <a:ext cx="1648810" cy="1400227"/>
-              <a:chOff x="2071646" y="1537893"/>
-              <a:chExt cx="1648810" cy="1400227"/>
+              <a:off x="2293167" y="1537893"/>
+              <a:ext cx="1427289" cy="253726"/>
             </a:xfrm>
-          </p:grpSpPr>
-          <p:sp>
-            <p:nvSpPr>
-              <p:cNvPr id="1049" name="TextBox 1048">
-                <a:extLst>
-                  <a:ext uri="{FF2B5EF4-FFF2-40B4-BE49-F238E27FC236}">
-                    <a16:creationId xmlns:a16="http://schemas.microsoft.com/office/drawing/2014/main" id="{C4680419-A7DF-6B72-A864-722A3E5D967F}"/>
-                  </a:ext>
-                </a:extLst>
-              </p:cNvPr>
-              <p:cNvSpPr txBox="1"/>
-              <p:nvPr/>
-            </p:nvSpPr>
-            <p:spPr>
-              <a:xfrm>
-                <a:off x="2293167" y="1537893"/>
-                <a:ext cx="1427289" cy="253726"/>
-              </a:xfrm>
-              <a:prstGeom prst="rect">
-                <a:avLst/>
-              </a:prstGeom>
-              <a:noFill/>
-            </p:spPr>
-            <p:txBody>
-              <a:bodyPr wrap="square" rtlCol="0">
-                <a:spAutoFit/>
-              </a:bodyPr>
-              <a:lstStyle/>
-              <a:p>
-                <a:r>
-                  <a:rPr lang="ko-KR" altLang="en-US" sz="3600" dirty="0"/>
-                  <a:t>사용자</a:t>
-                </a:r>
-                <a:endParaRPr lang="en-US" altLang="ko-KR" sz="3600" dirty="0"/>
-              </a:p>
-            </p:txBody>
-          </p:sp>
-          <p:pic>
-            <p:nvPicPr>
-              <p:cNvPr id="1050" name="Picture 10" descr="사람 - 무료 사회적인개 아이콘">
-                <a:extLst>
-                  <a:ext uri="{FF2B5EF4-FFF2-40B4-BE49-F238E27FC236}">
-                    <a16:creationId xmlns:a16="http://schemas.microsoft.com/office/drawing/2014/main" id="{984B668D-A196-3734-EEFF-A67395FFD1A3}"/>
-                  </a:ext>
-                </a:extLst>
-              </p:cNvPr>
-              <p:cNvPicPr>
-                <a:picLocks noChangeAspect="1" noChangeArrowheads="1"/>
-              </p:cNvPicPr>
-              <p:nvPr/>
-            </p:nvPicPr>
-            <p:blipFill>
-              <a:blip r:embed="rId11">
-                <a:extLst>
-                  <a:ext uri="{28A0092B-C50C-407E-A947-70E740481C1C}">
-                    <a14:useLocalDpi xmlns:a14="http://schemas.microsoft.com/office/drawing/2010/main" val="0"/>
-                  </a:ext>
-                </a:extLst>
-              </a:blip>
-              <a:srcRect/>
-              <a:stretch>
-                <a:fillRect/>
-              </a:stretch>
-            </p:blipFill>
-            <p:spPr bwMode="auto">
-              <a:xfrm>
-                <a:off x="2071646" y="1838466"/>
-                <a:ext cx="1099654" cy="1099654"/>
-              </a:xfrm>
-              <a:prstGeom prst="rect">
-                <a:avLst/>
-              </a:prstGeom>
-              <a:noFill/>
-              <a:extLst>
-                <a:ext uri="{909E8E84-426E-40DD-AFC4-6F175D3DCCD1}">
-                  <a14:hiddenFill xmlns:a14="http://schemas.microsoft.com/office/drawing/2010/main">
-                    <a:solidFill>
-                      <a:srgbClr val="FFFFFF"/>
-                    </a:solidFill>
-                  </a14:hiddenFill>
-                </a:ext>
-              </a:extLst>
-            </p:spPr>
-          </p:pic>
-        </p:grpSp>
-        <p:cxnSp>
-          <p:nvCxnSpPr>
-            <p:cNvPr id="1052" name="직선 화살표 연결선 1051">
+            <a:prstGeom prst="rect">
+              <a:avLst/>
+            </a:prstGeom>
+            <a:noFill/>
+          </p:spPr>
+          <p:txBody>
+            <a:bodyPr wrap="square" rtlCol="0">
+              <a:spAutoFit/>
+            </a:bodyPr>
+            <a:lstStyle/>
+            <a:p>
+              <a:r>
+                <a:rPr lang="ko-KR" altLang="en-US" sz="3600" dirty="0"/>
+                <a:t>사용자</a:t>
+              </a:r>
+              <a:endParaRPr lang="en-US" altLang="ko-KR" sz="3600" dirty="0"/>
+            </a:p>
+          </p:txBody>
+        </p:sp>
+        <p:pic>
+          <p:nvPicPr>
+            <p:cNvPr id="1050" name="Picture 10" descr="사람 - 무료 사회적인개 아이콘">
               <a:extLst>
                 <a:ext uri="{FF2B5EF4-FFF2-40B4-BE49-F238E27FC236}">
-                  <a16:creationId xmlns:a16="http://schemas.microsoft.com/office/drawing/2014/main" id="{2F49052E-43A5-F350-0CE8-4D99EF32765C}"/>
+                  <a16:creationId xmlns:a16="http://schemas.microsoft.com/office/drawing/2014/main" id="{984B668D-A196-3734-EEFF-A67395FFD1A3}"/>
                 </a:ext>
               </a:extLst>
             </p:cNvPr>
-            <p:cNvCxnSpPr>
-              <a:cxnSpLocks/>
-            </p:cNvCxnSpPr>
+            <p:cNvPicPr>
+              <a:picLocks noChangeAspect="1" noChangeArrowheads="1"/>
+            </p:cNvPicPr>
             <p:nvPr/>
-          </p:nvCxnSpPr>
-          <p:spPr>
+          </p:nvPicPr>
+          <p:blipFill>
+            <a:blip r:embed="rId10">
+              <a:extLst>
+                <a:ext uri="{28A0092B-C50C-407E-A947-70E740481C1C}">
+                  <a14:useLocalDpi xmlns:a14="http://schemas.microsoft.com/office/drawing/2010/main" val="0"/>
+                </a:ext>
+              </a:extLst>
+            </a:blip>
+            <a:srcRect/>
+            <a:stretch>
+              <a:fillRect/>
+            </a:stretch>
+          </p:blipFill>
+          <p:spPr bwMode="auto">
             <a:xfrm>
-              <a:off x="10185773" y="7928095"/>
-              <a:ext cx="655768" cy="0"/>
+              <a:off x="2071646" y="1838466"/>
+              <a:ext cx="1099654" cy="1099654"/>
             </a:xfrm>
-            <a:prstGeom prst="straightConnector1">
+            <a:prstGeom prst="rect">
               <a:avLst/>
             </a:prstGeom>
-            <a:ln w="101600">
-              <a:headEnd type="triangle"/>
-              <a:tailEnd type="triangle"/>
-            </a:ln>
+            <a:noFill/>
+            <a:extLst>
+              <a:ext uri="{909E8E84-426E-40DD-AFC4-6F175D3DCCD1}">
+                <a14:hiddenFill xmlns:a14="http://schemas.microsoft.com/office/drawing/2010/main">
+                  <a:solidFill>
+                    <a:srgbClr val="FFFFFF"/>
+                  </a:solidFill>
+                </a14:hiddenFill>
+              </a:ext>
+            </a:extLst>
           </p:spPr>
-          <p:style>
-            <a:lnRef idx="2">
-              <a:schemeClr val="accent1"/>
-            </a:lnRef>
-            <a:fillRef idx="0">
-              <a:schemeClr val="accent1"/>
-            </a:fillRef>
-            <a:effectRef idx="1">
-              <a:schemeClr val="accent1"/>
-            </a:effectRef>
-            <a:fontRef idx="minor">
-              <a:schemeClr val="tx1"/>
-            </a:fontRef>
-          </p:style>
-        </p:cxnSp>
+        </p:pic>
       </p:grpSp>
+      <p:cxnSp>
+        <p:nvCxnSpPr>
+          <p:cNvPr id="1052" name="직선 화살표 연결선 1051">
+            <a:extLst>
+              <a:ext uri="{FF2B5EF4-FFF2-40B4-BE49-F238E27FC236}">
+                <a16:creationId xmlns:a16="http://schemas.microsoft.com/office/drawing/2014/main" id="{2F49052E-43A5-F350-0CE8-4D99EF32765C}"/>
+              </a:ext>
+            </a:extLst>
+          </p:cNvPr>
+          <p:cNvCxnSpPr>
+            <a:cxnSpLocks/>
+          </p:cNvCxnSpPr>
+          <p:nvPr/>
+        </p:nvCxnSpPr>
+        <p:spPr>
+          <a:xfrm>
+            <a:off x="4393738" y="8550423"/>
+            <a:ext cx="1670473" cy="0"/>
+          </a:xfrm>
+          <a:prstGeom prst="straightConnector1">
+            <a:avLst/>
+          </a:prstGeom>
+          <a:ln w="101600">
+            <a:headEnd type="triangle"/>
+            <a:tailEnd type="triangle"/>
+          </a:ln>
+        </p:spPr>
+        <p:style>
+          <a:lnRef idx="2">
+            <a:schemeClr val="accent1"/>
+          </a:lnRef>
+          <a:fillRef idx="0">
+            <a:schemeClr val="accent1"/>
+          </a:fillRef>
+          <a:effectRef idx="1">
+            <a:schemeClr val="accent1"/>
+          </a:effectRef>
+          <a:fontRef idx="minor">
+            <a:schemeClr val="tx1"/>
+          </a:fontRef>
+        </p:style>
+      </p:cxnSp>
+      <p:sp>
+        <p:nvSpPr>
+          <p:cNvPr id="35" name="TextBox 34">
+            <a:extLst>
+              <a:ext uri="{FF2B5EF4-FFF2-40B4-BE49-F238E27FC236}">
+                <a16:creationId xmlns:a16="http://schemas.microsoft.com/office/drawing/2014/main" id="{2CA09A74-1C44-9738-AC0C-98E7D13AEC85}"/>
+              </a:ext>
+            </a:extLst>
+          </p:cNvPr>
+          <p:cNvSpPr txBox="1"/>
+          <p:nvPr/>
+        </p:nvSpPr>
+        <p:spPr>
+          <a:xfrm>
+            <a:off x="20020553" y="445850"/>
+            <a:ext cx="3635810" cy="646330"/>
+          </a:xfrm>
+          <a:prstGeom prst="rect">
+            <a:avLst/>
+          </a:prstGeom>
+          <a:noFill/>
+        </p:spPr>
+        <p:txBody>
+          <a:bodyPr wrap="square" rtlCol="0">
+            <a:spAutoFit/>
+          </a:bodyPr>
+          <a:lstStyle/>
+          <a:p>
+            <a:r>
+              <a:rPr lang="ko-KR" altLang="en-US" sz="3600" dirty="0"/>
+              <a:t>클라우드</a:t>
+            </a:r>
+          </a:p>
+        </p:txBody>
+      </p:sp>
+      <p:sp>
+        <p:nvSpPr>
+          <p:cNvPr id="36" name="사각형: 둥근 모서리 35">
+            <a:extLst>
+              <a:ext uri="{FF2B5EF4-FFF2-40B4-BE49-F238E27FC236}">
+                <a16:creationId xmlns:a16="http://schemas.microsoft.com/office/drawing/2014/main" id="{B1D7FDA5-A839-03B2-E6FA-E18104608726}"/>
+              </a:ext>
+            </a:extLst>
+          </p:cNvPr>
+          <p:cNvSpPr/>
+          <p:nvPr/>
+        </p:nvSpPr>
+        <p:spPr>
+          <a:xfrm>
+            <a:off x="19147885" y="1153647"/>
+            <a:ext cx="3635808" cy="3649843"/>
+          </a:xfrm>
+          <a:prstGeom prst="roundRect">
+            <a:avLst/>
+          </a:prstGeom>
+          <a:solidFill>
+            <a:schemeClr val="bg1">
+              <a:lumMod val="95000"/>
+            </a:schemeClr>
+          </a:solidFill>
+          <a:ln>
+            <a:noFill/>
+          </a:ln>
+        </p:spPr>
+        <p:style>
+          <a:lnRef idx="2">
+            <a:schemeClr val="accent1">
+              <a:shade val="15000"/>
+            </a:schemeClr>
+          </a:lnRef>
+          <a:fillRef idx="1">
+            <a:schemeClr val="accent1"/>
+          </a:fillRef>
+          <a:effectRef idx="0">
+            <a:schemeClr val="accent1"/>
+          </a:effectRef>
+          <a:fontRef idx="minor">
+            <a:schemeClr val="lt1"/>
+          </a:fontRef>
+        </p:style>
+        <p:txBody>
+          <a:bodyPr rtlCol="0" anchor="ctr"/>
+          <a:lstStyle/>
+          <a:p>
+            <a:pPr algn="ctr"/>
+            <a:endParaRPr lang="ko-KR" altLang="en-US" dirty="0"/>
+          </a:p>
+        </p:txBody>
+      </p:sp>
+      <p:pic>
+        <p:nvPicPr>
+          <p:cNvPr id="7" name="Picture 2" descr="네이버 클라우드, 무료로 얼마나 써볼 수 있을까? 💡">
+            <a:extLst>
+              <a:ext uri="{FF2B5EF4-FFF2-40B4-BE49-F238E27FC236}">
+                <a16:creationId xmlns:a16="http://schemas.microsoft.com/office/drawing/2014/main" id="{EF7647E8-522E-350F-9D63-7A8CE52537E6}"/>
+              </a:ext>
+            </a:extLst>
+          </p:cNvPr>
+          <p:cNvPicPr>
+            <a:picLocks noChangeAspect="1" noChangeArrowheads="1"/>
+          </p:cNvPicPr>
+          <p:nvPr/>
+        </p:nvPicPr>
+        <p:blipFill>
+          <a:blip r:embed="rId11">
+            <a:extLst>
+              <a:ext uri="{28A0092B-C50C-407E-A947-70E740481C1C}">
+                <a14:useLocalDpi xmlns:a14="http://schemas.microsoft.com/office/drawing/2010/main" val="0"/>
+              </a:ext>
+            </a:extLst>
+          </a:blip>
+          <a:srcRect/>
+          <a:stretch>
+            <a:fillRect/>
+          </a:stretch>
+        </p:blipFill>
+        <p:spPr bwMode="auto">
+          <a:xfrm>
+            <a:off x="20261977" y="2207354"/>
+            <a:ext cx="1417098" cy="1417098"/>
+          </a:xfrm>
+          <a:prstGeom prst="roundRect">
+            <a:avLst>
+              <a:gd name="adj" fmla="val 16667"/>
+            </a:avLst>
+          </a:prstGeom>
+          <a:ln>
+            <a:noFill/>
+          </a:ln>
+          <a:effectLst/>
+          <a:scene3d>
+            <a:camera prst="orthographicFront"/>
+            <a:lightRig rig="contrasting" dir="t">
+              <a:rot lat="0" lon="0" rev="4200000"/>
+            </a:lightRig>
+          </a:scene3d>
+          <a:sp3d prstMaterial="plastic">
+            <a:bevelT w="381000" h="114300" prst="relaxedInset"/>
+            <a:contourClr>
+              <a:srgbClr val="969696"/>
+            </a:contourClr>
+          </a:sp3d>
+          <a:extLst>
+            <a:ext uri="{909E8E84-426E-40DD-AFC4-6F175D3DCCD1}">
+              <a14:hiddenFill xmlns:a14="http://schemas.microsoft.com/office/drawing/2010/main">
+                <a:solidFill>
+                  <a:srgbClr val="FFFFFF"/>
+                </a:solidFill>
+              </a14:hiddenFill>
+            </a:ext>
+          </a:extLst>
+        </p:spPr>
+      </p:pic>
+      <p:cxnSp>
+        <p:nvCxnSpPr>
+          <p:cNvPr id="39" name="직선 연결선 38">
+            <a:extLst>
+              <a:ext uri="{FF2B5EF4-FFF2-40B4-BE49-F238E27FC236}">
+                <a16:creationId xmlns:a16="http://schemas.microsoft.com/office/drawing/2014/main" id="{2E880315-3B89-70FD-24BB-114FB3661B52}"/>
+              </a:ext>
+            </a:extLst>
+          </p:cNvPr>
+          <p:cNvCxnSpPr>
+            <a:cxnSpLocks/>
+          </p:cNvCxnSpPr>
+          <p:nvPr/>
+        </p:nvCxnSpPr>
+        <p:spPr>
+          <a:xfrm flipV="1">
+            <a:off x="17845118" y="3066097"/>
+            <a:ext cx="5787" cy="4655947"/>
+          </a:xfrm>
+          <a:prstGeom prst="line">
+            <a:avLst/>
+          </a:prstGeom>
+          <a:ln w="101600"/>
+        </p:spPr>
+        <p:style>
+          <a:lnRef idx="2">
+            <a:schemeClr val="accent1"/>
+          </a:lnRef>
+          <a:fillRef idx="0">
+            <a:schemeClr val="accent1"/>
+          </a:fillRef>
+          <a:effectRef idx="1">
+            <a:schemeClr val="accent1"/>
+          </a:effectRef>
+          <a:fontRef idx="minor">
+            <a:schemeClr val="tx1"/>
+          </a:fontRef>
+        </p:style>
+      </p:cxnSp>
+      <p:cxnSp>
+        <p:nvCxnSpPr>
+          <p:cNvPr id="41" name="직선 화살표 연결선 40">
+            <a:extLst>
+              <a:ext uri="{FF2B5EF4-FFF2-40B4-BE49-F238E27FC236}">
+                <a16:creationId xmlns:a16="http://schemas.microsoft.com/office/drawing/2014/main" id="{B0BA9E11-D6BD-0A39-F41A-0FFCE347DA74}"/>
+              </a:ext>
+            </a:extLst>
+          </p:cNvPr>
+          <p:cNvCxnSpPr>
+            <a:cxnSpLocks/>
+          </p:cNvCxnSpPr>
+          <p:nvPr/>
+        </p:nvCxnSpPr>
+        <p:spPr>
+          <a:xfrm>
+            <a:off x="17789611" y="3066097"/>
+            <a:ext cx="896531" cy="0"/>
+          </a:xfrm>
+          <a:prstGeom prst="straightConnector1">
+            <a:avLst/>
+          </a:prstGeom>
+          <a:ln w="101600">
+            <a:tailEnd type="triangle"/>
+          </a:ln>
+        </p:spPr>
+        <p:style>
+          <a:lnRef idx="2">
+            <a:schemeClr val="accent1"/>
+          </a:lnRef>
+          <a:fillRef idx="0">
+            <a:schemeClr val="accent1"/>
+          </a:fillRef>
+          <a:effectRef idx="1">
+            <a:schemeClr val="accent1"/>
+          </a:effectRef>
+          <a:fontRef idx="minor">
+            <a:schemeClr val="tx1"/>
+          </a:fontRef>
+        </p:style>
+      </p:cxnSp>
+      <p:pic>
+        <p:nvPicPr>
+          <p:cNvPr id="5" name="Picture 2" descr="Pytorch ] 파이토치 설치하기">
+            <a:extLst>
+              <a:ext uri="{FF2B5EF4-FFF2-40B4-BE49-F238E27FC236}">
+                <a16:creationId xmlns:a16="http://schemas.microsoft.com/office/drawing/2014/main" id="{F2E188E8-F26C-ED2C-D8CF-782EFED9999D}"/>
+              </a:ext>
+            </a:extLst>
+          </p:cNvPr>
+          <p:cNvPicPr>
+            <a:picLocks noChangeAspect="1" noChangeArrowheads="1"/>
+          </p:cNvPicPr>
+          <p:nvPr/>
+        </p:nvPicPr>
+        <p:blipFill>
+          <a:blip r:embed="rId12">
+            <a:extLst>
+              <a:ext uri="{28A0092B-C50C-407E-A947-70E740481C1C}">
+                <a14:useLocalDpi xmlns:a14="http://schemas.microsoft.com/office/drawing/2010/main" val="0"/>
+              </a:ext>
+            </a:extLst>
+          </a:blip>
+          <a:srcRect/>
+          <a:stretch>
+            <a:fillRect/>
+          </a:stretch>
+        </p:blipFill>
+        <p:spPr bwMode="auto">
+          <a:xfrm>
+            <a:off x="19362203" y="13618058"/>
+            <a:ext cx="1340948" cy="1340948"/>
+          </a:xfrm>
+          <a:prstGeom prst="roundRect">
+            <a:avLst>
+              <a:gd name="adj" fmla="val 16667"/>
+            </a:avLst>
+          </a:prstGeom>
+          <a:ln>
+            <a:noFill/>
+          </a:ln>
+          <a:effectLst/>
+          <a:scene3d>
+            <a:camera prst="orthographicFront"/>
+            <a:lightRig rig="contrasting" dir="t">
+              <a:rot lat="0" lon="0" rev="4200000"/>
+            </a:lightRig>
+          </a:scene3d>
+          <a:sp3d prstMaterial="plastic">
+            <a:bevelT w="381000" h="114300" prst="relaxedInset"/>
+            <a:contourClr>
+              <a:srgbClr val="969696"/>
+            </a:contourClr>
+          </a:sp3d>
+          <a:extLst>
+            <a:ext uri="{909E8E84-426E-40DD-AFC4-6F175D3DCCD1}">
+              <a14:hiddenFill xmlns:a14="http://schemas.microsoft.com/office/drawing/2010/main">
+                <a:solidFill>
+                  <a:srgbClr val="FFFFFF"/>
+                </a:solidFill>
+              </a14:hiddenFill>
+            </a:ext>
+          </a:extLst>
+        </p:spPr>
+      </p:pic>
+      <p:pic>
+        <p:nvPicPr>
+          <p:cNvPr id="8" name="Picture 4" descr="Hugging Face - 나무위키">
+            <a:extLst>
+              <a:ext uri="{FF2B5EF4-FFF2-40B4-BE49-F238E27FC236}">
+                <a16:creationId xmlns:a16="http://schemas.microsoft.com/office/drawing/2014/main" id="{25D1FF63-34FF-644B-3623-D0259E964523}"/>
+              </a:ext>
+            </a:extLst>
+          </p:cNvPr>
+          <p:cNvPicPr>
+            <a:picLocks noChangeAspect="1" noChangeArrowheads="1"/>
+          </p:cNvPicPr>
+          <p:nvPr/>
+        </p:nvPicPr>
+        <p:blipFill>
+          <a:blip r:embed="rId13">
+            <a:extLst>
+              <a:ext uri="{28A0092B-C50C-407E-A947-70E740481C1C}">
+                <a14:useLocalDpi xmlns:a14="http://schemas.microsoft.com/office/drawing/2010/main" val="0"/>
+              </a:ext>
+            </a:extLst>
+          </a:blip>
+          <a:srcRect/>
+          <a:stretch>
+            <a:fillRect/>
+          </a:stretch>
+        </p:blipFill>
+        <p:spPr bwMode="auto">
+          <a:xfrm>
+            <a:off x="21000100" y="13596027"/>
+            <a:ext cx="2022777" cy="1346066"/>
+          </a:xfrm>
+          <a:prstGeom prst="roundRect">
+            <a:avLst>
+              <a:gd name="adj" fmla="val 16667"/>
+            </a:avLst>
+          </a:prstGeom>
+          <a:ln>
+            <a:noFill/>
+          </a:ln>
+          <a:effectLst/>
+          <a:scene3d>
+            <a:camera prst="orthographicFront"/>
+            <a:lightRig rig="contrasting" dir="t">
+              <a:rot lat="0" lon="0" rev="4200000"/>
+            </a:lightRig>
+          </a:scene3d>
+          <a:sp3d prstMaterial="plastic">
+            <a:bevelT w="381000" h="114300" prst="relaxedInset"/>
+            <a:contourClr>
+              <a:srgbClr val="969696"/>
+            </a:contourClr>
+          </a:sp3d>
+          <a:extLst>
+            <a:ext uri="{909E8E84-426E-40DD-AFC4-6F175D3DCCD1}">
+              <a14:hiddenFill xmlns:a14="http://schemas.microsoft.com/office/drawing/2010/main">
+                <a:solidFill>
+                  <a:srgbClr val="FFFFFF"/>
+                </a:solidFill>
+              </a14:hiddenFill>
+            </a:ext>
+          </a:extLst>
+        </p:spPr>
+      </p:pic>
+      <p:pic>
+        <p:nvPicPr>
+          <p:cNvPr id="9" name="Picture 6" descr="OpenAI Whisper와 함께하는 음성 인식">
+            <a:extLst>
+              <a:ext uri="{FF2B5EF4-FFF2-40B4-BE49-F238E27FC236}">
+                <a16:creationId xmlns:a16="http://schemas.microsoft.com/office/drawing/2014/main" id="{0D82F21A-17F5-26F7-53F2-C6DAFCBF9257}"/>
+              </a:ext>
+            </a:extLst>
+          </p:cNvPr>
+          <p:cNvPicPr>
+            <a:picLocks noChangeAspect="1" noChangeArrowheads="1"/>
+          </p:cNvPicPr>
+          <p:nvPr/>
+        </p:nvPicPr>
+        <p:blipFill>
+          <a:blip r:embed="rId14">
+            <a:extLst>
+              <a:ext uri="{28A0092B-C50C-407E-A947-70E740481C1C}">
+                <a14:useLocalDpi xmlns:a14="http://schemas.microsoft.com/office/drawing/2010/main" val="0"/>
+              </a:ext>
+            </a:extLst>
+          </a:blip>
+          <a:srcRect/>
+          <a:stretch>
+            <a:fillRect/>
+          </a:stretch>
+        </p:blipFill>
+        <p:spPr bwMode="auto">
+          <a:xfrm>
+            <a:off x="19852267" y="15563118"/>
+            <a:ext cx="2584112" cy="1346065"/>
+          </a:xfrm>
+          <a:prstGeom prst="roundRect">
+            <a:avLst>
+              <a:gd name="adj" fmla="val 16667"/>
+            </a:avLst>
+          </a:prstGeom>
+          <a:ln>
+            <a:noFill/>
+          </a:ln>
+          <a:effectLst/>
+          <a:scene3d>
+            <a:camera prst="orthographicFront"/>
+            <a:lightRig rig="contrasting" dir="t">
+              <a:rot lat="0" lon="0" rev="4200000"/>
+            </a:lightRig>
+          </a:scene3d>
+          <a:sp3d prstMaterial="plastic">
+            <a:bevelT w="381000" h="114300" prst="relaxedInset"/>
+            <a:contourClr>
+              <a:srgbClr val="969696"/>
+            </a:contourClr>
+          </a:sp3d>
+          <a:extLst>
+            <a:ext uri="{909E8E84-426E-40DD-AFC4-6F175D3DCCD1}">
+              <a14:hiddenFill xmlns:a14="http://schemas.microsoft.com/office/drawing/2010/main">
+                <a:solidFill>
+                  <a:srgbClr val="FFFFFF"/>
+                </a:solidFill>
+              </a14:hiddenFill>
+            </a:ext>
+          </a:extLst>
+        </p:spPr>
+      </p:pic>
     </p:spTree>
     <p:extLst>
       <p:ext uri="{BB962C8B-B14F-4D97-AF65-F5344CB8AC3E}">
